--- a/ShineGym&Fit edzésterv és étrendösszeállító webalkalmazás Szabó Richárd - Híves Sebastian.pptx
+++ b/ShineGym&Fit edzésterv és étrendösszeállító webalkalmazás Szabó Richárd - Híves Sebastian.pptx
@@ -7,6 +7,13 @@
   <p:sldIdLst>
     <p:sldId id="256" r:id="rId2"/>
     <p:sldId id="257" r:id="rId3"/>
+    <p:sldId id="258" r:id="rId4"/>
+    <p:sldId id="259" r:id="rId5"/>
+    <p:sldId id="260" r:id="rId6"/>
+    <p:sldId id="261" r:id="rId7"/>
+    <p:sldId id="262" r:id="rId8"/>
+    <p:sldId id="264" r:id="rId9"/>
+    <p:sldId id="263" r:id="rId10"/>
   </p:sldIdLst>
   <p:sldSz cx="12192000" cy="6858000"/>
   <p:notesSz cx="6858000" cy="9144000"/>
@@ -105,6 +112,11 @@
       </a:defRPr>
     </a:lvl9pPr>
   </p:defaultTextStyle>
+  <p:extLst>
+    <p:ext uri="{EFAFB233-063F-42B5-8137-9DF3F51BA10A}">
+      <p15:sldGuideLst xmlns:p15="http://schemas.microsoft.com/office/powerpoint/2012/main"/>
+    </p:ext>
+  </p:extLst>
 </p:presentation>
 </file>
 
@@ -5895,6 +5907,585 @@
 </p:sld>
 </file>
 
+<file path=ppt/slides/slide3.xml><?xml version="1.0" encoding="utf-8"?>
+<p:sld xmlns:a="http://schemas.openxmlformats.org/drawingml/2006/main" xmlns:r="http://schemas.openxmlformats.org/officeDocument/2006/relationships" xmlns:p="http://schemas.openxmlformats.org/presentationml/2006/main">
+  <p:cSld>
+    <p:spTree>
+      <p:nvGrpSpPr>
+        <p:cNvPr id="1" name=""/>
+        <p:cNvGrpSpPr/>
+        <p:nvPr/>
+      </p:nvGrpSpPr>
+      <p:grpSpPr>
+        <a:xfrm>
+          <a:off x="0" y="0"/>
+          <a:ext cx="0" cy="0"/>
+          <a:chOff x="0" y="0"/>
+          <a:chExt cx="0" cy="0"/>
+        </a:xfrm>
+      </p:grpSpPr>
+      <p:sp>
+        <p:nvSpPr>
+          <p:cNvPr id="2" name="Cím 1"/>
+          <p:cNvSpPr>
+            <a:spLocks noGrp="1"/>
+          </p:cNvSpPr>
+          <p:nvPr>
+            <p:ph type="title"/>
+          </p:nvPr>
+        </p:nvSpPr>
+        <p:spPr>
+          <a:xfrm>
+            <a:off x="727210" y="243840"/>
+            <a:ext cx="8596668" cy="1320800"/>
+          </a:xfrm>
+        </p:spPr>
+        <p:txBody>
+          <a:bodyPr/>
+          <a:lstStyle/>
+          <a:p>
+            <a:r>
+              <a:rPr lang="hu-HU" dirty="0" smtClean="0"/>
+              <a:t>Főoldal</a:t>
+            </a:r>
+            <a:endParaRPr lang="hu-HU" dirty="0"/>
+          </a:p>
+        </p:txBody>
+      </p:sp>
+      <p:pic>
+        <p:nvPicPr>
+          <p:cNvPr id="4" name="Tartalom helye 3"/>
+          <p:cNvPicPr>
+            <a:picLocks noGrp="1" noChangeAspect="1"/>
+          </p:cNvPicPr>
+          <p:nvPr>
+            <p:ph idx="1"/>
+          </p:nvPr>
+        </p:nvPicPr>
+        <p:blipFill>
+          <a:blip r:embed="rId2">
+            <a:extLst>
+              <a:ext uri="{28A0092B-C50C-407E-A947-70E740481C1C}">
+                <a14:useLocalDpi xmlns:a14="http://schemas.microsoft.com/office/drawing/2010/main" val="0"/>
+              </a:ext>
+            </a:extLst>
+          </a:blip>
+          <a:stretch>
+            <a:fillRect/>
+          </a:stretch>
+        </p:blipFill>
+        <p:spPr>
+          <a:xfrm>
+            <a:off x="2635133" y="1186872"/>
+            <a:ext cx="5228706" cy="5452016"/>
+          </a:xfrm>
+        </p:spPr>
+      </p:pic>
+    </p:spTree>
+    <p:extLst>
+      <p:ext uri="{BB962C8B-B14F-4D97-AF65-F5344CB8AC3E}">
+        <p14:creationId xmlns:p14="http://schemas.microsoft.com/office/powerpoint/2010/main" val="2203674830"/>
+      </p:ext>
+    </p:extLst>
+  </p:cSld>
+  <p:clrMapOvr>
+    <a:masterClrMapping/>
+  </p:clrMapOvr>
+</p:sld>
+</file>
+
+<file path=ppt/slides/slide4.xml><?xml version="1.0" encoding="utf-8"?>
+<p:sld xmlns:a="http://schemas.openxmlformats.org/drawingml/2006/main" xmlns:r="http://schemas.openxmlformats.org/officeDocument/2006/relationships" xmlns:p="http://schemas.openxmlformats.org/presentationml/2006/main">
+  <p:cSld>
+    <p:spTree>
+      <p:nvGrpSpPr>
+        <p:cNvPr id="1" name=""/>
+        <p:cNvGrpSpPr/>
+        <p:nvPr/>
+      </p:nvGrpSpPr>
+      <p:grpSpPr>
+        <a:xfrm>
+          <a:off x="0" y="0"/>
+          <a:ext cx="0" cy="0"/>
+          <a:chOff x="0" y="0"/>
+          <a:chExt cx="0" cy="0"/>
+        </a:xfrm>
+      </p:grpSpPr>
+      <p:sp>
+        <p:nvSpPr>
+          <p:cNvPr id="2" name="Cím 1"/>
+          <p:cNvSpPr>
+            <a:spLocks noGrp="1"/>
+          </p:cNvSpPr>
+          <p:nvPr>
+            <p:ph type="title"/>
+          </p:nvPr>
+        </p:nvSpPr>
+        <p:spPr/>
+        <p:txBody>
+          <a:bodyPr/>
+          <a:lstStyle/>
+          <a:p>
+            <a:r>
+              <a:rPr lang="hu-HU" dirty="0" smtClean="0"/>
+              <a:t>Regisztráció</a:t>
+            </a:r>
+            <a:endParaRPr lang="hu-HU" dirty="0"/>
+          </a:p>
+        </p:txBody>
+      </p:sp>
+      <p:pic>
+        <p:nvPicPr>
+          <p:cNvPr id="4" name="Tartalom helye 3"/>
+          <p:cNvPicPr>
+            <a:picLocks noGrp="1" noChangeAspect="1"/>
+          </p:cNvPicPr>
+          <p:nvPr>
+            <p:ph idx="1"/>
+          </p:nvPr>
+        </p:nvPicPr>
+        <p:blipFill>
+          <a:blip r:embed="rId2">
+            <a:extLst>
+              <a:ext uri="{28A0092B-C50C-407E-A947-70E740481C1C}">
+                <a14:useLocalDpi xmlns:a14="http://schemas.microsoft.com/office/drawing/2010/main" val="0"/>
+              </a:ext>
+            </a:extLst>
+          </a:blip>
+          <a:stretch>
+            <a:fillRect/>
+          </a:stretch>
+        </p:blipFill>
+        <p:spPr>
+          <a:xfrm>
+            <a:off x="1490000" y="1653512"/>
+            <a:ext cx="6971336" cy="3881437"/>
+          </a:xfrm>
+        </p:spPr>
+      </p:pic>
+    </p:spTree>
+    <p:extLst>
+      <p:ext uri="{BB962C8B-B14F-4D97-AF65-F5344CB8AC3E}">
+        <p14:creationId xmlns:p14="http://schemas.microsoft.com/office/powerpoint/2010/main" val="4119967347"/>
+      </p:ext>
+    </p:extLst>
+  </p:cSld>
+  <p:clrMapOvr>
+    <a:masterClrMapping/>
+  </p:clrMapOvr>
+</p:sld>
+</file>
+
+<file path=ppt/slides/slide5.xml><?xml version="1.0" encoding="utf-8"?>
+<p:sld xmlns:a="http://schemas.openxmlformats.org/drawingml/2006/main" xmlns:r="http://schemas.openxmlformats.org/officeDocument/2006/relationships" xmlns:p="http://schemas.openxmlformats.org/presentationml/2006/main">
+  <p:cSld>
+    <p:spTree>
+      <p:nvGrpSpPr>
+        <p:cNvPr id="1" name=""/>
+        <p:cNvGrpSpPr/>
+        <p:nvPr/>
+      </p:nvGrpSpPr>
+      <p:grpSpPr>
+        <a:xfrm>
+          <a:off x="0" y="0"/>
+          <a:ext cx="0" cy="0"/>
+          <a:chOff x="0" y="0"/>
+          <a:chExt cx="0" cy="0"/>
+        </a:xfrm>
+      </p:grpSpPr>
+      <p:sp>
+        <p:nvSpPr>
+          <p:cNvPr id="2" name="Cím 1"/>
+          <p:cNvSpPr>
+            <a:spLocks noGrp="1"/>
+          </p:cNvSpPr>
+          <p:nvPr>
+            <p:ph type="title"/>
+          </p:nvPr>
+        </p:nvSpPr>
+        <p:spPr/>
+        <p:txBody>
+          <a:bodyPr/>
+          <a:lstStyle/>
+          <a:p>
+            <a:r>
+              <a:rPr lang="hu-HU" dirty="0" smtClean="0"/>
+              <a:t>Bejelentkezés</a:t>
+            </a:r>
+            <a:endParaRPr lang="hu-HU" dirty="0"/>
+          </a:p>
+        </p:txBody>
+      </p:sp>
+      <p:pic>
+        <p:nvPicPr>
+          <p:cNvPr id="4" name="Tartalom helye 3"/>
+          <p:cNvPicPr>
+            <a:picLocks noGrp="1" noChangeAspect="1"/>
+          </p:cNvPicPr>
+          <p:nvPr>
+            <p:ph idx="1"/>
+          </p:nvPr>
+        </p:nvPicPr>
+        <p:blipFill>
+          <a:blip r:embed="rId2">
+            <a:extLst>
+              <a:ext uri="{28A0092B-C50C-407E-A947-70E740481C1C}">
+                <a14:useLocalDpi xmlns:a14="http://schemas.microsoft.com/office/drawing/2010/main" val="0"/>
+              </a:ext>
+            </a:extLst>
+          </a:blip>
+          <a:stretch>
+            <a:fillRect/>
+          </a:stretch>
+        </p:blipFill>
+        <p:spPr>
+          <a:xfrm>
+            <a:off x="889945" y="1703388"/>
+            <a:ext cx="8171446" cy="3881437"/>
+          </a:xfrm>
+        </p:spPr>
+      </p:pic>
+    </p:spTree>
+    <p:extLst>
+      <p:ext uri="{BB962C8B-B14F-4D97-AF65-F5344CB8AC3E}">
+        <p14:creationId xmlns:p14="http://schemas.microsoft.com/office/powerpoint/2010/main" val="3392067363"/>
+      </p:ext>
+    </p:extLst>
+  </p:cSld>
+  <p:clrMapOvr>
+    <a:masterClrMapping/>
+  </p:clrMapOvr>
+</p:sld>
+</file>
+
+<file path=ppt/slides/slide6.xml><?xml version="1.0" encoding="utf-8"?>
+<p:sld xmlns:a="http://schemas.openxmlformats.org/drawingml/2006/main" xmlns:r="http://schemas.openxmlformats.org/officeDocument/2006/relationships" xmlns:p="http://schemas.openxmlformats.org/presentationml/2006/main">
+  <p:cSld>
+    <p:spTree>
+      <p:nvGrpSpPr>
+        <p:cNvPr id="1" name=""/>
+        <p:cNvGrpSpPr/>
+        <p:nvPr/>
+      </p:nvGrpSpPr>
+      <p:grpSpPr>
+        <a:xfrm>
+          <a:off x="0" y="0"/>
+          <a:ext cx="0" cy="0"/>
+          <a:chOff x="0" y="0"/>
+          <a:chExt cx="0" cy="0"/>
+        </a:xfrm>
+      </p:grpSpPr>
+      <p:sp>
+        <p:nvSpPr>
+          <p:cNvPr id="2" name="Cím 1"/>
+          <p:cNvSpPr>
+            <a:spLocks noGrp="1"/>
+          </p:cNvSpPr>
+          <p:nvPr>
+            <p:ph type="title"/>
+          </p:nvPr>
+        </p:nvSpPr>
+        <p:spPr/>
+        <p:txBody>
+          <a:bodyPr/>
+          <a:lstStyle/>
+          <a:p>
+            <a:r>
+              <a:rPr lang="hu-HU" dirty="0" smtClean="0"/>
+              <a:t>Kezdőlap</a:t>
+            </a:r>
+            <a:endParaRPr lang="hu-HU" dirty="0"/>
+          </a:p>
+        </p:txBody>
+      </p:sp>
+      <p:pic>
+        <p:nvPicPr>
+          <p:cNvPr id="6" name="Tartalom helye 5"/>
+          <p:cNvPicPr>
+            <a:picLocks noGrp="1" noChangeAspect="1"/>
+          </p:cNvPicPr>
+          <p:nvPr>
+            <p:ph idx="1"/>
+          </p:nvPr>
+        </p:nvPicPr>
+        <p:blipFill>
+          <a:blip r:embed="rId2">
+            <a:extLst>
+              <a:ext uri="{28A0092B-C50C-407E-A947-70E740481C1C}">
+                <a14:useLocalDpi xmlns:a14="http://schemas.microsoft.com/office/drawing/2010/main" val="0"/>
+              </a:ext>
+            </a:extLst>
+          </a:blip>
+          <a:stretch>
+            <a:fillRect/>
+          </a:stretch>
+        </p:blipFill>
+        <p:spPr>
+          <a:xfrm>
+            <a:off x="1354502" y="1664393"/>
+            <a:ext cx="7242331" cy="3881437"/>
+          </a:xfrm>
+        </p:spPr>
+      </p:pic>
+    </p:spTree>
+    <p:extLst>
+      <p:ext uri="{BB962C8B-B14F-4D97-AF65-F5344CB8AC3E}">
+        <p14:creationId xmlns:p14="http://schemas.microsoft.com/office/powerpoint/2010/main" val="2790274322"/>
+      </p:ext>
+    </p:extLst>
+  </p:cSld>
+  <p:clrMapOvr>
+    <a:masterClrMapping/>
+  </p:clrMapOvr>
+</p:sld>
+</file>
+
+<file path=ppt/slides/slide7.xml><?xml version="1.0" encoding="utf-8"?>
+<p:sld xmlns:a="http://schemas.openxmlformats.org/drawingml/2006/main" xmlns:r="http://schemas.openxmlformats.org/officeDocument/2006/relationships" xmlns:p="http://schemas.openxmlformats.org/presentationml/2006/main">
+  <p:cSld>
+    <p:spTree>
+      <p:nvGrpSpPr>
+        <p:cNvPr id="1" name=""/>
+        <p:cNvGrpSpPr/>
+        <p:nvPr/>
+      </p:nvGrpSpPr>
+      <p:grpSpPr>
+        <a:xfrm>
+          <a:off x="0" y="0"/>
+          <a:ext cx="0" cy="0"/>
+          <a:chOff x="0" y="0"/>
+          <a:chExt cx="0" cy="0"/>
+        </a:xfrm>
+      </p:grpSpPr>
+      <p:sp>
+        <p:nvSpPr>
+          <p:cNvPr id="2" name="Cím 1"/>
+          <p:cNvSpPr>
+            <a:spLocks noGrp="1"/>
+          </p:cNvSpPr>
+          <p:nvPr>
+            <p:ph type="title"/>
+          </p:nvPr>
+        </p:nvSpPr>
+        <p:spPr/>
+        <p:txBody>
+          <a:bodyPr/>
+          <a:lstStyle/>
+          <a:p>
+            <a:r>
+              <a:rPr lang="hu-HU" dirty="0" smtClean="0"/>
+              <a:t>Edzéstervek</a:t>
+            </a:r>
+            <a:endParaRPr lang="hu-HU" dirty="0"/>
+          </a:p>
+        </p:txBody>
+      </p:sp>
+      <p:pic>
+        <p:nvPicPr>
+          <p:cNvPr id="4" name="Tartalom helye 3"/>
+          <p:cNvPicPr>
+            <a:picLocks noGrp="1" noChangeAspect="1"/>
+          </p:cNvPicPr>
+          <p:nvPr>
+            <p:ph idx="1"/>
+          </p:nvPr>
+        </p:nvPicPr>
+        <p:blipFill>
+          <a:blip r:embed="rId2">
+            <a:extLst>
+              <a:ext uri="{28A0092B-C50C-407E-A947-70E740481C1C}">
+                <a14:useLocalDpi xmlns:a14="http://schemas.microsoft.com/office/drawing/2010/main" val="0"/>
+              </a:ext>
+            </a:extLst>
+          </a:blip>
+          <a:stretch>
+            <a:fillRect/>
+          </a:stretch>
+        </p:blipFill>
+        <p:spPr>
+          <a:xfrm>
+            <a:off x="1354502" y="1686763"/>
+            <a:ext cx="7242331" cy="3881437"/>
+          </a:xfrm>
+        </p:spPr>
+      </p:pic>
+    </p:spTree>
+    <p:extLst>
+      <p:ext uri="{BB962C8B-B14F-4D97-AF65-F5344CB8AC3E}">
+        <p14:creationId xmlns:p14="http://schemas.microsoft.com/office/powerpoint/2010/main" val="3600894654"/>
+      </p:ext>
+    </p:extLst>
+  </p:cSld>
+  <p:clrMapOvr>
+    <a:masterClrMapping/>
+  </p:clrMapOvr>
+</p:sld>
+</file>
+
+<file path=ppt/slides/slide8.xml><?xml version="1.0" encoding="utf-8"?>
+<p:sld xmlns:a="http://schemas.openxmlformats.org/drawingml/2006/main" xmlns:r="http://schemas.openxmlformats.org/officeDocument/2006/relationships" xmlns:p="http://schemas.openxmlformats.org/presentationml/2006/main">
+  <p:cSld>
+    <p:spTree>
+      <p:nvGrpSpPr>
+        <p:cNvPr id="1" name=""/>
+        <p:cNvGrpSpPr/>
+        <p:nvPr/>
+      </p:nvGrpSpPr>
+      <p:grpSpPr>
+        <a:xfrm>
+          <a:off x="0" y="0"/>
+          <a:ext cx="0" cy="0"/>
+          <a:chOff x="0" y="0"/>
+          <a:chExt cx="0" cy="0"/>
+        </a:xfrm>
+      </p:grpSpPr>
+      <p:sp>
+        <p:nvSpPr>
+          <p:cNvPr id="2" name="Cím 1"/>
+          <p:cNvSpPr>
+            <a:spLocks noGrp="1"/>
+          </p:cNvSpPr>
+          <p:nvPr>
+            <p:ph type="title"/>
+          </p:nvPr>
+        </p:nvSpPr>
+        <p:spPr/>
+        <p:txBody>
+          <a:bodyPr/>
+          <a:lstStyle/>
+          <a:p>
+            <a:r>
+              <a:rPr lang="hu-HU" dirty="0" smtClean="0"/>
+              <a:t>Chat</a:t>
+            </a:r>
+            <a:endParaRPr lang="hu-HU" dirty="0"/>
+          </a:p>
+        </p:txBody>
+      </p:sp>
+      <p:pic>
+        <p:nvPicPr>
+          <p:cNvPr id="4" name="Tartalom helye 3"/>
+          <p:cNvPicPr>
+            <a:picLocks noGrp="1" noChangeAspect="1"/>
+          </p:cNvPicPr>
+          <p:nvPr>
+            <p:ph idx="1"/>
+          </p:nvPr>
+        </p:nvPicPr>
+        <p:blipFill>
+          <a:blip r:embed="rId2">
+            <a:extLst>
+              <a:ext uri="{28A0092B-C50C-407E-A947-70E740481C1C}">
+                <a14:useLocalDpi xmlns:a14="http://schemas.microsoft.com/office/drawing/2010/main" val="0"/>
+              </a:ext>
+            </a:extLst>
+          </a:blip>
+          <a:stretch>
+            <a:fillRect/>
+          </a:stretch>
+        </p:blipFill>
+        <p:spPr>
+          <a:xfrm>
+            <a:off x="1645749" y="1636887"/>
+            <a:ext cx="6659838" cy="3881437"/>
+          </a:xfrm>
+        </p:spPr>
+      </p:pic>
+    </p:spTree>
+    <p:extLst>
+      <p:ext uri="{BB962C8B-B14F-4D97-AF65-F5344CB8AC3E}">
+        <p14:creationId xmlns:p14="http://schemas.microsoft.com/office/powerpoint/2010/main" val="3545457215"/>
+      </p:ext>
+    </p:extLst>
+  </p:cSld>
+  <p:clrMapOvr>
+    <a:masterClrMapping/>
+  </p:clrMapOvr>
+</p:sld>
+</file>
+
+<file path=ppt/slides/slide9.xml><?xml version="1.0" encoding="utf-8"?>
+<p:sld xmlns:a="http://schemas.openxmlformats.org/drawingml/2006/main" xmlns:r="http://schemas.openxmlformats.org/officeDocument/2006/relationships" xmlns:p="http://schemas.openxmlformats.org/presentationml/2006/main">
+  <p:cSld>
+    <p:spTree>
+      <p:nvGrpSpPr>
+        <p:cNvPr id="1" name=""/>
+        <p:cNvGrpSpPr/>
+        <p:nvPr/>
+      </p:nvGrpSpPr>
+      <p:grpSpPr>
+        <a:xfrm>
+          <a:off x="0" y="0"/>
+          <a:ext cx="0" cy="0"/>
+          <a:chOff x="0" y="0"/>
+          <a:chExt cx="0" cy="0"/>
+        </a:xfrm>
+      </p:grpSpPr>
+      <p:sp>
+        <p:nvSpPr>
+          <p:cNvPr id="2" name="Cím 1"/>
+          <p:cNvSpPr>
+            <a:spLocks noGrp="1"/>
+          </p:cNvSpPr>
+          <p:nvPr>
+            <p:ph type="title"/>
+          </p:nvPr>
+        </p:nvSpPr>
+        <p:spPr/>
+        <p:txBody>
+          <a:bodyPr/>
+          <a:lstStyle/>
+          <a:p>
+            <a:r>
+              <a:rPr lang="hu-HU" dirty="0" smtClean="0"/>
+              <a:t>Kliensek/Edzők kezelése</a:t>
+            </a:r>
+            <a:endParaRPr lang="hu-HU" dirty="0"/>
+          </a:p>
+        </p:txBody>
+      </p:sp>
+      <p:pic>
+        <p:nvPicPr>
+          <p:cNvPr id="4" name="Tartalom helye 3"/>
+          <p:cNvPicPr>
+            <a:picLocks noGrp="1" noChangeAspect="1"/>
+          </p:cNvPicPr>
+          <p:nvPr>
+            <p:ph idx="1"/>
+          </p:nvPr>
+        </p:nvPicPr>
+        <p:blipFill>
+          <a:blip r:embed="rId2">
+            <a:extLst>
+              <a:ext uri="{28A0092B-C50C-407E-A947-70E740481C1C}">
+                <a14:useLocalDpi xmlns:a14="http://schemas.microsoft.com/office/drawing/2010/main" val="0"/>
+              </a:ext>
+            </a:extLst>
+          </a:blip>
+          <a:stretch>
+            <a:fillRect/>
+          </a:stretch>
+        </p:blipFill>
+        <p:spPr>
+          <a:xfrm>
+            <a:off x="1354502" y="1678450"/>
+            <a:ext cx="7242331" cy="3881437"/>
+          </a:xfrm>
+        </p:spPr>
+      </p:pic>
+    </p:spTree>
+    <p:extLst>
+      <p:ext uri="{BB962C8B-B14F-4D97-AF65-F5344CB8AC3E}">
+        <p14:creationId xmlns:p14="http://schemas.microsoft.com/office/powerpoint/2010/main" val="957547199"/>
+      </p:ext>
+    </p:extLst>
+  </p:cSld>
+  <p:clrMapOvr>
+    <a:masterClrMapping/>
+  </p:clrMapOvr>
+</p:sld>
+</file>
+
 <file path=ppt/theme/theme1.xml><?xml version="1.0" encoding="utf-8"?>
 <a:theme xmlns:a="http://schemas.openxmlformats.org/drawingml/2006/main" name="Fazetta">
   <a:themeElements>

--- a/ShineGym&Fit edzésterv és étrendösszeállító webalkalmazás Szabó Richárd - Híves Sebastian.pptx
+++ b/ShineGym&Fit edzésterv és étrendösszeállító webalkalmazás Szabó Richárd - Híves Sebastian.pptx
@@ -5819,10 +5819,32 @@
           <a:lstStyle/>
           <a:p>
             <a:r>
-              <a:rPr lang="hu-HU" dirty="0" smtClean="0"/>
+              <a:rPr lang="hu-HU" dirty="0" smtClean="0">
+                <a:solidFill>
+                  <a:schemeClr val="tx1"/>
+                </a:solidFill>
+                <a:effectLst>
+                  <a:outerShdw blurRad="38100" dist="38100" dir="2700000" algn="tl">
+                    <a:srgbClr val="000000">
+                      <a:alpha val="43137"/>
+                    </a:srgbClr>
+                  </a:outerShdw>
+                </a:effectLst>
+              </a:rPr>
               <a:t>Készítette: Szabó Richárd és Híves Sebastian</a:t>
             </a:r>
-            <a:endParaRPr lang="hu-HU" dirty="0"/>
+            <a:endParaRPr lang="hu-HU" dirty="0">
+              <a:solidFill>
+                <a:schemeClr val="tx1"/>
+              </a:solidFill>
+              <a:effectLst>
+                <a:outerShdw blurRad="38100" dist="38100" dir="2700000" algn="tl">
+                  <a:srgbClr val="000000">
+                    <a:alpha val="43137"/>
+                  </a:srgbClr>
+                </a:outerShdw>
+              </a:effectLst>
+            </a:endParaRPr>
           </a:p>
         </p:txBody>
       </p:sp>

--- a/ShineGym&Fit edzésterv és étrendösszeállító webalkalmazás Szabó Richárd - Híves Sebastian.pptx
+++ b/ShineGym&Fit edzésterv és étrendösszeállító webalkalmazás Szabó Richárd - Híves Sebastian.pptx
@@ -10,10 +10,15 @@
     <p:sldId id="258" r:id="rId4"/>
     <p:sldId id="259" r:id="rId5"/>
     <p:sldId id="260" r:id="rId6"/>
-    <p:sldId id="261" r:id="rId7"/>
-    <p:sldId id="262" r:id="rId8"/>
-    <p:sldId id="264" r:id="rId9"/>
-    <p:sldId id="263" r:id="rId10"/>
+    <p:sldId id="268" r:id="rId7"/>
+    <p:sldId id="269" r:id="rId8"/>
+    <p:sldId id="261" r:id="rId9"/>
+    <p:sldId id="262" r:id="rId10"/>
+    <p:sldId id="265" r:id="rId11"/>
+    <p:sldId id="267" r:id="rId12"/>
+    <p:sldId id="266" r:id="rId13"/>
+    <p:sldId id="264" r:id="rId14"/>
+    <p:sldId id="263" r:id="rId15"/>
   </p:sldIdLst>
   <p:sldSz cx="12192000" cy="6858000"/>
   <p:notesSz cx="6858000" cy="9144000"/>
@@ -843,7 +848,7 @@
             <a:fld id="{B61BEF0D-F0BB-DE4B-95CE-6DB70DBA9567}" type="datetimeFigureOut">
               <a:rPr lang="en-US" dirty="0"/>
               <a:pPr/>
-              <a:t>4/12/2023</a:t>
+              <a:t>4/13/2023</a:t>
             </a:fld>
             <a:endParaRPr lang="en-US" dirty="0"/>
           </a:p>
@@ -1091,7 +1096,7 @@
             <a:fld id="{B61BEF0D-F0BB-DE4B-95CE-6DB70DBA9567}" type="datetimeFigureOut">
               <a:rPr lang="en-US" dirty="0"/>
               <a:pPr/>
-              <a:t>4/12/2023</a:t>
+              <a:t>4/13/2023</a:t>
             </a:fld>
             <a:endParaRPr lang="en-US" dirty="0"/>
           </a:p>
@@ -1402,7 +1407,7 @@
             <a:fld id="{B61BEF0D-F0BB-DE4B-95CE-6DB70DBA9567}" type="datetimeFigureOut">
               <a:rPr lang="en-US" dirty="0"/>
               <a:pPr/>
-              <a:t>4/12/2023</a:t>
+              <a:t>4/13/2023</a:t>
             </a:fld>
             <a:endParaRPr lang="en-US" dirty="0"/>
           </a:p>
@@ -1740,7 +1745,7 @@
             <a:fld id="{B61BEF0D-F0BB-DE4B-95CE-6DB70DBA9567}" type="datetimeFigureOut">
               <a:rPr lang="en-US" dirty="0"/>
               <a:pPr/>
-              <a:t>4/12/2023</a:t>
+              <a:t>4/13/2023</a:t>
             </a:fld>
             <a:endParaRPr lang="en-US" dirty="0"/>
           </a:p>
@@ -2051,7 +2056,7 @@
             <a:fld id="{B61BEF0D-F0BB-DE4B-95CE-6DB70DBA9567}" type="datetimeFigureOut">
               <a:rPr lang="en-US" dirty="0"/>
               <a:pPr/>
-              <a:t>4/12/2023</a:t>
+              <a:t>4/13/2023</a:t>
             </a:fld>
             <a:endParaRPr lang="en-US" dirty="0"/>
           </a:p>
@@ -2441,7 +2446,7 @@
             <a:fld id="{B61BEF0D-F0BB-DE4B-95CE-6DB70DBA9567}" type="datetimeFigureOut">
               <a:rPr lang="en-US" dirty="0"/>
               <a:pPr/>
-              <a:t>4/12/2023</a:t>
+              <a:t>4/13/2023</a:t>
             </a:fld>
             <a:endParaRPr lang="en-US" dirty="0"/>
           </a:p>
@@ -2607,7 +2612,7 @@
           <a:p>
             <a:fld id="{55C6B4A9-1611-4792-9094-5F34BCA07E0B}" type="datetimeFigureOut">
               <a:rPr lang="en-US" dirty="0"/>
-              <a:t>4/12/2023</a:t>
+              <a:t>4/13/2023</a:t>
             </a:fld>
             <a:endParaRPr lang="en-US" dirty="0"/>
           </a:p>
@@ -2783,7 +2788,7 @@
             <a:fld id="{B61BEF0D-F0BB-DE4B-95CE-6DB70DBA9567}" type="datetimeFigureOut">
               <a:rPr lang="en-US" dirty="0"/>
               <a:pPr/>
-              <a:t>4/12/2023</a:t>
+              <a:t>4/13/2023</a:t>
             </a:fld>
             <a:endParaRPr lang="en-US" dirty="0"/>
           </a:p>
@@ -2956,7 +2961,7 @@
             <a:fld id="{B61BEF0D-F0BB-DE4B-95CE-6DB70DBA9567}" type="datetimeFigureOut">
               <a:rPr lang="en-US" dirty="0"/>
               <a:pPr/>
-              <a:t>4/12/2023</a:t>
+              <a:t>4/13/2023</a:t>
             </a:fld>
             <a:endParaRPr lang="en-US" dirty="0"/>
           </a:p>
@@ -3200,7 +3205,7 @@
             <a:fld id="{B61BEF0D-F0BB-DE4B-95CE-6DB70DBA9567}" type="datetimeFigureOut">
               <a:rPr lang="en-US" dirty="0"/>
               <a:pPr/>
-              <a:t>4/12/2023</a:t>
+              <a:t>4/13/2023</a:t>
             </a:fld>
             <a:endParaRPr lang="en-US" dirty="0"/>
           </a:p>
@@ -3428,7 +3433,7 @@
           <a:p>
             <a:fld id="{EB712588-04B1-427B-82EE-E8DB90309F08}" type="datetimeFigureOut">
               <a:rPr lang="en-US" dirty="0"/>
-              <a:t>4/12/2023</a:t>
+              <a:t>4/13/2023</a:t>
             </a:fld>
             <a:endParaRPr lang="en-US" dirty="0"/>
           </a:p>
@@ -3798,7 +3803,7 @@
             <a:fld id="{B61BEF0D-F0BB-DE4B-95CE-6DB70DBA9567}" type="datetimeFigureOut">
               <a:rPr lang="en-US" dirty="0"/>
               <a:pPr/>
-              <a:t>4/12/2023</a:t>
+              <a:t>4/13/2023</a:t>
             </a:fld>
             <a:endParaRPr lang="en-US" dirty="0"/>
           </a:p>
@@ -3918,7 +3923,7 @@
             <a:fld id="{B61BEF0D-F0BB-DE4B-95CE-6DB70DBA9567}" type="datetimeFigureOut">
               <a:rPr lang="en-US" dirty="0"/>
               <a:pPr/>
-              <a:t>4/12/2023</a:t>
+              <a:t>4/13/2023</a:t>
             </a:fld>
             <a:endParaRPr lang="en-US" dirty="0"/>
           </a:p>
@@ -4010,7 +4015,7 @@
             <a:fld id="{B61BEF0D-F0BB-DE4B-95CE-6DB70DBA9567}" type="datetimeFigureOut">
               <a:rPr lang="en-US" dirty="0"/>
               <a:pPr/>
-              <a:t>4/12/2023</a:t>
+              <a:t>4/13/2023</a:t>
             </a:fld>
             <a:endParaRPr lang="en-US" dirty="0"/>
           </a:p>
@@ -4261,7 +4266,7 @@
           <a:p>
             <a:fld id="{42A54C80-263E-416B-A8E0-580EDEADCBDC}" type="datetimeFigureOut">
               <a:rPr lang="en-US" dirty="0"/>
-              <a:t>4/12/2023</a:t>
+              <a:t>4/13/2023</a:t>
             </a:fld>
             <a:endParaRPr lang="en-US" dirty="0"/>
           </a:p>
@@ -4520,7 +4525,7 @@
             <a:fld id="{B61BEF0D-F0BB-DE4B-95CE-6DB70DBA9567}" type="datetimeFigureOut">
               <a:rPr lang="en-US" dirty="0"/>
               <a:pPr/>
-              <a:t>4/12/2023</a:t>
+              <a:t>4/13/2023</a:t>
             </a:fld>
             <a:endParaRPr lang="en-US" dirty="0"/>
           </a:p>
@@ -5260,7 +5265,7 @@
             <a:fld id="{B61BEF0D-F0BB-DE4B-95CE-6DB70DBA9567}" type="datetimeFigureOut">
               <a:rPr lang="en-US" dirty="0"/>
               <a:pPr/>
-              <a:t>4/12/2023</a:t>
+              <a:t>4/13/2023</a:t>
             </a:fld>
             <a:endParaRPr lang="en-US" dirty="0"/>
           </a:p>
@@ -5861,6 +5866,407 @@
 </p:sld>
 </file>
 
+<file path=ppt/slides/slide10.xml><?xml version="1.0" encoding="utf-8"?>
+<p:sld xmlns:a="http://schemas.openxmlformats.org/drawingml/2006/main" xmlns:r="http://schemas.openxmlformats.org/officeDocument/2006/relationships" xmlns:p="http://schemas.openxmlformats.org/presentationml/2006/main">
+  <p:cSld>
+    <p:spTree>
+      <p:nvGrpSpPr>
+        <p:cNvPr id="1" name=""/>
+        <p:cNvGrpSpPr/>
+        <p:nvPr/>
+      </p:nvGrpSpPr>
+      <p:grpSpPr>
+        <a:xfrm>
+          <a:off x="0" y="0"/>
+          <a:ext cx="0" cy="0"/>
+          <a:chOff x="0" y="0"/>
+          <a:chExt cx="0" cy="0"/>
+        </a:xfrm>
+      </p:grpSpPr>
+      <p:sp>
+        <p:nvSpPr>
+          <p:cNvPr id="2" name="Cím 1"/>
+          <p:cNvSpPr>
+            <a:spLocks noGrp="1"/>
+          </p:cNvSpPr>
+          <p:nvPr>
+            <p:ph type="title"/>
+          </p:nvPr>
+        </p:nvSpPr>
+        <p:spPr>
+          <a:xfrm>
+            <a:off x="575981" y="243840"/>
+            <a:ext cx="8596668" cy="1320800"/>
+          </a:xfrm>
+        </p:spPr>
+        <p:txBody>
+          <a:bodyPr/>
+          <a:lstStyle/>
+          <a:p>
+            <a:r>
+              <a:rPr lang="hu-HU" dirty="0" smtClean="0"/>
+              <a:t>Új edzésterv felvétele</a:t>
+            </a:r>
+            <a:endParaRPr lang="hu-HU" dirty="0"/>
+          </a:p>
+        </p:txBody>
+      </p:sp>
+      <p:pic>
+        <p:nvPicPr>
+          <p:cNvPr id="8" name="Tartalom helye 7"/>
+          <p:cNvPicPr>
+            <a:picLocks noGrp="1" noChangeAspect="1"/>
+          </p:cNvPicPr>
+          <p:nvPr>
+            <p:ph idx="1"/>
+          </p:nvPr>
+        </p:nvPicPr>
+        <p:blipFill>
+          <a:blip r:embed="rId2">
+            <a:extLst>
+              <a:ext uri="{28A0092B-C50C-407E-A947-70E740481C1C}">
+                <a14:useLocalDpi xmlns:a14="http://schemas.microsoft.com/office/drawing/2010/main" val="0"/>
+              </a:ext>
+            </a:extLst>
+          </a:blip>
+          <a:stretch>
+            <a:fillRect/>
+          </a:stretch>
+        </p:blipFill>
+        <p:spPr>
+          <a:xfrm>
+            <a:off x="2427316" y="904240"/>
+            <a:ext cx="4696690" cy="5836616"/>
+          </a:xfrm>
+        </p:spPr>
+      </p:pic>
+    </p:spTree>
+    <p:extLst>
+      <p:ext uri="{BB962C8B-B14F-4D97-AF65-F5344CB8AC3E}">
+        <p14:creationId xmlns:p14="http://schemas.microsoft.com/office/powerpoint/2010/main" val="719022423"/>
+      </p:ext>
+    </p:extLst>
+  </p:cSld>
+  <p:clrMapOvr>
+    <a:masterClrMapping/>
+  </p:clrMapOvr>
+</p:sld>
+</file>
+
+<file path=ppt/slides/slide11.xml><?xml version="1.0" encoding="utf-8"?>
+<p:sld xmlns:a="http://schemas.openxmlformats.org/drawingml/2006/main" xmlns:r="http://schemas.openxmlformats.org/officeDocument/2006/relationships" xmlns:p="http://schemas.openxmlformats.org/presentationml/2006/main">
+  <p:cSld>
+    <p:spTree>
+      <p:nvGrpSpPr>
+        <p:cNvPr id="1" name=""/>
+        <p:cNvGrpSpPr/>
+        <p:nvPr/>
+      </p:nvGrpSpPr>
+      <p:grpSpPr>
+        <a:xfrm>
+          <a:off x="0" y="0"/>
+          <a:ext cx="0" cy="0"/>
+          <a:chOff x="0" y="0"/>
+          <a:chExt cx="0" cy="0"/>
+        </a:xfrm>
+      </p:grpSpPr>
+      <p:sp>
+        <p:nvSpPr>
+          <p:cNvPr id="2" name="Cím 1"/>
+          <p:cNvSpPr>
+            <a:spLocks noGrp="1"/>
+          </p:cNvSpPr>
+          <p:nvPr>
+            <p:ph type="title"/>
+          </p:nvPr>
+        </p:nvSpPr>
+        <p:spPr/>
+        <p:txBody>
+          <a:bodyPr/>
+          <a:lstStyle/>
+          <a:p>
+            <a:r>
+              <a:rPr lang="hu-HU" dirty="0" smtClean="0"/>
+              <a:t>A kliens edzésterve</a:t>
+            </a:r>
+            <a:endParaRPr lang="hu-HU" dirty="0"/>
+          </a:p>
+        </p:txBody>
+      </p:sp>
+      <p:pic>
+        <p:nvPicPr>
+          <p:cNvPr id="4" name="Tartalom helye 3"/>
+          <p:cNvPicPr>
+            <a:picLocks noGrp="1" noChangeAspect="1"/>
+          </p:cNvPicPr>
+          <p:nvPr>
+            <p:ph idx="1"/>
+          </p:nvPr>
+        </p:nvPicPr>
+        <p:blipFill>
+          <a:blip r:embed="rId2">
+            <a:extLst>
+              <a:ext uri="{28A0092B-C50C-407E-A947-70E740481C1C}">
+                <a14:useLocalDpi xmlns:a14="http://schemas.microsoft.com/office/drawing/2010/main" val="0"/>
+              </a:ext>
+            </a:extLst>
+          </a:blip>
+          <a:stretch>
+            <a:fillRect/>
+          </a:stretch>
+        </p:blipFill>
+        <p:spPr>
+          <a:xfrm>
+            <a:off x="1138202" y="1794828"/>
+            <a:ext cx="7674932" cy="3881437"/>
+          </a:xfrm>
+        </p:spPr>
+      </p:pic>
+    </p:spTree>
+    <p:extLst>
+      <p:ext uri="{BB962C8B-B14F-4D97-AF65-F5344CB8AC3E}">
+        <p14:creationId xmlns:p14="http://schemas.microsoft.com/office/powerpoint/2010/main" val="3230008405"/>
+      </p:ext>
+    </p:extLst>
+  </p:cSld>
+  <p:clrMapOvr>
+    <a:masterClrMapping/>
+  </p:clrMapOvr>
+</p:sld>
+</file>
+
+<file path=ppt/slides/slide12.xml><?xml version="1.0" encoding="utf-8"?>
+<p:sld xmlns:a="http://schemas.openxmlformats.org/drawingml/2006/main" xmlns:r="http://schemas.openxmlformats.org/officeDocument/2006/relationships" xmlns:p="http://schemas.openxmlformats.org/presentationml/2006/main">
+  <p:cSld>
+    <p:spTree>
+      <p:nvGrpSpPr>
+        <p:cNvPr id="1" name=""/>
+        <p:cNvGrpSpPr/>
+        <p:nvPr/>
+      </p:nvGrpSpPr>
+      <p:grpSpPr>
+        <a:xfrm>
+          <a:off x="0" y="0"/>
+          <a:ext cx="0" cy="0"/>
+          <a:chOff x="0" y="0"/>
+          <a:chExt cx="0" cy="0"/>
+        </a:xfrm>
+      </p:grpSpPr>
+      <p:sp>
+        <p:nvSpPr>
+          <p:cNvPr id="2" name="Cím 1"/>
+          <p:cNvSpPr>
+            <a:spLocks noGrp="1"/>
+          </p:cNvSpPr>
+          <p:nvPr>
+            <p:ph type="title"/>
+          </p:nvPr>
+        </p:nvSpPr>
+        <p:spPr/>
+        <p:txBody>
+          <a:bodyPr/>
+          <a:lstStyle/>
+          <a:p>
+            <a:endParaRPr lang="hu-HU"/>
+          </a:p>
+        </p:txBody>
+      </p:sp>
+      <p:sp>
+        <p:nvSpPr>
+          <p:cNvPr id="3" name="Tartalom helye 2"/>
+          <p:cNvSpPr>
+            <a:spLocks noGrp="1"/>
+          </p:cNvSpPr>
+          <p:nvPr>
+            <p:ph idx="1"/>
+          </p:nvPr>
+        </p:nvSpPr>
+        <p:spPr/>
+        <p:txBody>
+          <a:bodyPr/>
+          <a:lstStyle/>
+          <a:p>
+            <a:endParaRPr lang="hu-HU"/>
+          </a:p>
+        </p:txBody>
+      </p:sp>
+    </p:spTree>
+    <p:extLst>
+      <p:ext uri="{BB962C8B-B14F-4D97-AF65-F5344CB8AC3E}">
+        <p14:creationId xmlns:p14="http://schemas.microsoft.com/office/powerpoint/2010/main" val="2947586195"/>
+      </p:ext>
+    </p:extLst>
+  </p:cSld>
+  <p:clrMapOvr>
+    <a:masterClrMapping/>
+  </p:clrMapOvr>
+</p:sld>
+</file>
+
+<file path=ppt/slides/slide13.xml><?xml version="1.0" encoding="utf-8"?>
+<p:sld xmlns:a="http://schemas.openxmlformats.org/drawingml/2006/main" xmlns:r="http://schemas.openxmlformats.org/officeDocument/2006/relationships" xmlns:p="http://schemas.openxmlformats.org/presentationml/2006/main">
+  <p:cSld>
+    <p:spTree>
+      <p:nvGrpSpPr>
+        <p:cNvPr id="1" name=""/>
+        <p:cNvGrpSpPr/>
+        <p:nvPr/>
+      </p:nvGrpSpPr>
+      <p:grpSpPr>
+        <a:xfrm>
+          <a:off x="0" y="0"/>
+          <a:ext cx="0" cy="0"/>
+          <a:chOff x="0" y="0"/>
+          <a:chExt cx="0" cy="0"/>
+        </a:xfrm>
+      </p:grpSpPr>
+      <p:sp>
+        <p:nvSpPr>
+          <p:cNvPr id="2" name="Cím 1"/>
+          <p:cNvSpPr>
+            <a:spLocks noGrp="1"/>
+          </p:cNvSpPr>
+          <p:nvPr>
+            <p:ph type="title"/>
+          </p:nvPr>
+        </p:nvSpPr>
+        <p:spPr/>
+        <p:txBody>
+          <a:bodyPr/>
+          <a:lstStyle/>
+          <a:p>
+            <a:r>
+              <a:rPr lang="hu-HU" dirty="0" smtClean="0"/>
+              <a:t>Chat</a:t>
+            </a:r>
+            <a:endParaRPr lang="hu-HU" dirty="0"/>
+          </a:p>
+        </p:txBody>
+      </p:sp>
+      <p:pic>
+        <p:nvPicPr>
+          <p:cNvPr id="4" name="Tartalom helye 3"/>
+          <p:cNvPicPr>
+            <a:picLocks noGrp="1" noChangeAspect="1"/>
+          </p:cNvPicPr>
+          <p:nvPr>
+            <p:ph idx="1"/>
+          </p:nvPr>
+        </p:nvPicPr>
+        <p:blipFill>
+          <a:blip r:embed="rId2">
+            <a:extLst>
+              <a:ext uri="{28A0092B-C50C-407E-A947-70E740481C1C}">
+                <a14:useLocalDpi xmlns:a14="http://schemas.microsoft.com/office/drawing/2010/main" val="0"/>
+              </a:ext>
+            </a:extLst>
+          </a:blip>
+          <a:stretch>
+            <a:fillRect/>
+          </a:stretch>
+        </p:blipFill>
+        <p:spPr>
+          <a:xfrm>
+            <a:off x="1645749" y="1636887"/>
+            <a:ext cx="6659838" cy="3881437"/>
+          </a:xfrm>
+        </p:spPr>
+      </p:pic>
+    </p:spTree>
+    <p:extLst>
+      <p:ext uri="{BB962C8B-B14F-4D97-AF65-F5344CB8AC3E}">
+        <p14:creationId xmlns:p14="http://schemas.microsoft.com/office/powerpoint/2010/main" val="3545457215"/>
+      </p:ext>
+    </p:extLst>
+  </p:cSld>
+  <p:clrMapOvr>
+    <a:masterClrMapping/>
+  </p:clrMapOvr>
+</p:sld>
+</file>
+
+<file path=ppt/slides/slide14.xml><?xml version="1.0" encoding="utf-8"?>
+<p:sld xmlns:a="http://schemas.openxmlformats.org/drawingml/2006/main" xmlns:r="http://schemas.openxmlformats.org/officeDocument/2006/relationships" xmlns:p="http://schemas.openxmlformats.org/presentationml/2006/main">
+  <p:cSld>
+    <p:spTree>
+      <p:nvGrpSpPr>
+        <p:cNvPr id="1" name=""/>
+        <p:cNvGrpSpPr/>
+        <p:nvPr/>
+      </p:nvGrpSpPr>
+      <p:grpSpPr>
+        <a:xfrm>
+          <a:off x="0" y="0"/>
+          <a:ext cx="0" cy="0"/>
+          <a:chOff x="0" y="0"/>
+          <a:chExt cx="0" cy="0"/>
+        </a:xfrm>
+      </p:grpSpPr>
+      <p:sp>
+        <p:nvSpPr>
+          <p:cNvPr id="2" name="Cím 1"/>
+          <p:cNvSpPr>
+            <a:spLocks noGrp="1"/>
+          </p:cNvSpPr>
+          <p:nvPr>
+            <p:ph type="title"/>
+          </p:nvPr>
+        </p:nvSpPr>
+        <p:spPr/>
+        <p:txBody>
+          <a:bodyPr/>
+          <a:lstStyle/>
+          <a:p>
+            <a:r>
+              <a:rPr lang="hu-HU" dirty="0" smtClean="0"/>
+              <a:t>Kliensek/Edzők kezelése</a:t>
+            </a:r>
+            <a:endParaRPr lang="hu-HU" dirty="0"/>
+          </a:p>
+        </p:txBody>
+      </p:sp>
+      <p:pic>
+        <p:nvPicPr>
+          <p:cNvPr id="4" name="Tartalom helye 3"/>
+          <p:cNvPicPr>
+            <a:picLocks noGrp="1" noChangeAspect="1"/>
+          </p:cNvPicPr>
+          <p:nvPr>
+            <p:ph idx="1"/>
+          </p:nvPr>
+        </p:nvPicPr>
+        <p:blipFill>
+          <a:blip r:embed="rId2">
+            <a:extLst>
+              <a:ext uri="{28A0092B-C50C-407E-A947-70E740481C1C}">
+                <a14:useLocalDpi xmlns:a14="http://schemas.microsoft.com/office/drawing/2010/main" val="0"/>
+              </a:ext>
+            </a:extLst>
+          </a:blip>
+          <a:stretch>
+            <a:fillRect/>
+          </a:stretch>
+        </p:blipFill>
+        <p:spPr>
+          <a:xfrm>
+            <a:off x="1354502" y="1678450"/>
+            <a:ext cx="7242331" cy="3881437"/>
+          </a:xfrm>
+        </p:spPr>
+      </p:pic>
+    </p:spTree>
+    <p:extLst>
+      <p:ext uri="{BB962C8B-B14F-4D97-AF65-F5344CB8AC3E}">
+        <p14:creationId xmlns:p14="http://schemas.microsoft.com/office/powerpoint/2010/main" val="957547199"/>
+      </p:ext>
+    </p:extLst>
+  </p:cSld>
+  <p:clrMapOvr>
+    <a:masterClrMapping/>
+  </p:clrMapOvr>
+</p:sld>
+</file>
+
 <file path=ppt/slides/slide2.xml><?xml version="1.0" encoding="utf-8"?>
 <p:sld xmlns:a="http://schemas.openxmlformats.org/drawingml/2006/main" xmlns:r="http://schemas.openxmlformats.org/officeDocument/2006/relationships" xmlns:p="http://schemas.openxmlformats.org/presentationml/2006/main">
   <p:cSld>
@@ -6214,7 +6620,7 @@
           <a:p>
             <a:r>
               <a:rPr lang="hu-HU" dirty="0" smtClean="0"/>
-              <a:t>Kezdőlap</a:t>
+              <a:t>Saját profil adatai</a:t>
             </a:r>
             <a:endParaRPr lang="hu-HU" dirty="0"/>
           </a:p>
@@ -6222,7 +6628,7 @@
       </p:sp>
       <p:pic>
         <p:nvPicPr>
-          <p:cNvPr id="6" name="Tartalom helye 5"/>
+          <p:cNvPr id="4" name="Tartalom helye 3"/>
           <p:cNvPicPr>
             <a:picLocks noGrp="1" noChangeAspect="1"/>
           </p:cNvPicPr>
@@ -6244,7 +6650,7 @@
         </p:blipFill>
         <p:spPr>
           <a:xfrm>
-            <a:off x="1354502" y="1664393"/>
+            <a:off x="1354502" y="1711701"/>
             <a:ext cx="7242331" cy="3881437"/>
           </a:xfrm>
         </p:spPr>
@@ -6252,7 +6658,7 @@
     </p:spTree>
     <p:extLst>
       <p:ext uri="{BB962C8B-B14F-4D97-AF65-F5344CB8AC3E}">
-        <p14:creationId xmlns:p14="http://schemas.microsoft.com/office/powerpoint/2010/main" val="2790274322"/>
+        <p14:creationId xmlns:p14="http://schemas.microsoft.com/office/powerpoint/2010/main" val="4187611990"/>
       </p:ext>
     </p:extLst>
   </p:cSld>
@@ -6296,7 +6702,7 @@
           <a:p>
             <a:r>
               <a:rPr lang="hu-HU" dirty="0" smtClean="0"/>
-              <a:t>Edzéstervek</a:t>
+              <a:t>Edző/Kliens profil adatai</a:t>
             </a:r>
             <a:endParaRPr lang="hu-HU" dirty="0"/>
           </a:p>
@@ -6326,15 +6732,15 @@
         </p:blipFill>
         <p:spPr>
           <a:xfrm>
-            <a:off x="1354502" y="1686763"/>
-            <a:ext cx="7242331" cy="3881437"/>
+            <a:off x="1263534" y="1786515"/>
+            <a:ext cx="7549599" cy="3881437"/>
           </a:xfrm>
         </p:spPr>
       </p:pic>
     </p:spTree>
     <p:extLst>
       <p:ext uri="{BB962C8B-B14F-4D97-AF65-F5344CB8AC3E}">
-        <p14:creationId xmlns:p14="http://schemas.microsoft.com/office/powerpoint/2010/main" val="3600894654"/>
+        <p14:creationId xmlns:p14="http://schemas.microsoft.com/office/powerpoint/2010/main" val="1744131174"/>
       </p:ext>
     </p:extLst>
   </p:cSld>
@@ -6378,7 +6784,7 @@
           <a:p>
             <a:r>
               <a:rPr lang="hu-HU" dirty="0" smtClean="0"/>
-              <a:t>Chat</a:t>
+              <a:t>Kezdőlap</a:t>
             </a:r>
             <a:endParaRPr lang="hu-HU" dirty="0"/>
           </a:p>
@@ -6386,7 +6792,7 @@
       </p:sp>
       <p:pic>
         <p:nvPicPr>
-          <p:cNvPr id="4" name="Tartalom helye 3"/>
+          <p:cNvPr id="6" name="Tartalom helye 5"/>
           <p:cNvPicPr>
             <a:picLocks noGrp="1" noChangeAspect="1"/>
           </p:cNvPicPr>
@@ -6408,15 +6814,15 @@
         </p:blipFill>
         <p:spPr>
           <a:xfrm>
-            <a:off x="1645749" y="1636887"/>
-            <a:ext cx="6659838" cy="3881437"/>
+            <a:off x="1354502" y="1722582"/>
+            <a:ext cx="7242331" cy="3881437"/>
           </a:xfrm>
         </p:spPr>
       </p:pic>
     </p:spTree>
     <p:extLst>
       <p:ext uri="{BB962C8B-B14F-4D97-AF65-F5344CB8AC3E}">
-        <p14:creationId xmlns:p14="http://schemas.microsoft.com/office/powerpoint/2010/main" val="3545457215"/>
+        <p14:creationId xmlns:p14="http://schemas.microsoft.com/office/powerpoint/2010/main" val="2790274322"/>
       </p:ext>
     </p:extLst>
   </p:cSld>
@@ -6460,7 +6866,7 @@
           <a:p>
             <a:r>
               <a:rPr lang="hu-HU" dirty="0" smtClean="0"/>
-              <a:t>Kliensek/Edzők kezelése</a:t>
+              <a:t>Edzéstervek</a:t>
             </a:r>
             <a:endParaRPr lang="hu-HU" dirty="0"/>
           </a:p>
@@ -6490,7 +6896,7 @@
         </p:blipFill>
         <p:spPr>
           <a:xfrm>
-            <a:off x="1354502" y="1678450"/>
+            <a:off x="1354502" y="1686763"/>
             <a:ext cx="7242331" cy="3881437"/>
           </a:xfrm>
         </p:spPr>
@@ -6498,7 +6904,7 @@
     </p:spTree>
     <p:extLst>
       <p:ext uri="{BB962C8B-B14F-4D97-AF65-F5344CB8AC3E}">
-        <p14:creationId xmlns:p14="http://schemas.microsoft.com/office/powerpoint/2010/main" val="957547199"/>
+        <p14:creationId xmlns:p14="http://schemas.microsoft.com/office/powerpoint/2010/main" val="3600894654"/>
       </p:ext>
     </p:extLst>
   </p:cSld>

--- a/ShineGym&Fit edzésterv és étrendösszeállító webalkalmazás Szabó Richárd - Híves Sebastian.pptx
+++ b/ShineGym&Fit edzésterv és étrendösszeállító webalkalmazás Szabó Richárd - Híves Sebastian.pptx
@@ -6,19 +6,17 @@
   </p:sldMasterIdLst>
   <p:sldIdLst>
     <p:sldId id="256" r:id="rId2"/>
-    <p:sldId id="257" r:id="rId3"/>
-    <p:sldId id="258" r:id="rId4"/>
-    <p:sldId id="259" r:id="rId5"/>
-    <p:sldId id="260" r:id="rId6"/>
-    <p:sldId id="268" r:id="rId7"/>
-    <p:sldId id="269" r:id="rId8"/>
-    <p:sldId id="261" r:id="rId9"/>
-    <p:sldId id="262" r:id="rId10"/>
-    <p:sldId id="265" r:id="rId11"/>
-    <p:sldId id="267" r:id="rId12"/>
-    <p:sldId id="266" r:id="rId13"/>
-    <p:sldId id="264" r:id="rId14"/>
-    <p:sldId id="263" r:id="rId15"/>
+    <p:sldId id="258" r:id="rId3"/>
+    <p:sldId id="259" r:id="rId4"/>
+    <p:sldId id="260" r:id="rId5"/>
+    <p:sldId id="268" r:id="rId6"/>
+    <p:sldId id="269" r:id="rId7"/>
+    <p:sldId id="261" r:id="rId8"/>
+    <p:sldId id="262" r:id="rId9"/>
+    <p:sldId id="265" r:id="rId10"/>
+    <p:sldId id="267" r:id="rId11"/>
+    <p:sldId id="264" r:id="rId12"/>
+    <p:sldId id="263" r:id="rId13"/>
   </p:sldIdLst>
   <p:sldSz cx="12192000" cy="6858000"/>
   <p:notesSz cx="6858000" cy="9144000"/>
@@ -5893,93 +5891,6 @@
             <p:ph type="title"/>
           </p:nvPr>
         </p:nvSpPr>
-        <p:spPr>
-          <a:xfrm>
-            <a:off x="575981" y="243840"/>
-            <a:ext cx="8596668" cy="1320800"/>
-          </a:xfrm>
-        </p:spPr>
-        <p:txBody>
-          <a:bodyPr/>
-          <a:lstStyle/>
-          <a:p>
-            <a:r>
-              <a:rPr lang="hu-HU" dirty="0" smtClean="0"/>
-              <a:t>Új edzésterv felvétele</a:t>
-            </a:r>
-            <a:endParaRPr lang="hu-HU" dirty="0"/>
-          </a:p>
-        </p:txBody>
-      </p:sp>
-      <p:pic>
-        <p:nvPicPr>
-          <p:cNvPr id="8" name="Tartalom helye 7"/>
-          <p:cNvPicPr>
-            <a:picLocks noGrp="1" noChangeAspect="1"/>
-          </p:cNvPicPr>
-          <p:nvPr>
-            <p:ph idx="1"/>
-          </p:nvPr>
-        </p:nvPicPr>
-        <p:blipFill>
-          <a:blip r:embed="rId2">
-            <a:extLst>
-              <a:ext uri="{28A0092B-C50C-407E-A947-70E740481C1C}">
-                <a14:useLocalDpi xmlns:a14="http://schemas.microsoft.com/office/drawing/2010/main" val="0"/>
-              </a:ext>
-            </a:extLst>
-          </a:blip>
-          <a:stretch>
-            <a:fillRect/>
-          </a:stretch>
-        </p:blipFill>
-        <p:spPr>
-          <a:xfrm>
-            <a:off x="2427316" y="904240"/>
-            <a:ext cx="4696690" cy="5836616"/>
-          </a:xfrm>
-        </p:spPr>
-      </p:pic>
-    </p:spTree>
-    <p:extLst>
-      <p:ext uri="{BB962C8B-B14F-4D97-AF65-F5344CB8AC3E}">
-        <p14:creationId xmlns:p14="http://schemas.microsoft.com/office/powerpoint/2010/main" val="719022423"/>
-      </p:ext>
-    </p:extLst>
-  </p:cSld>
-  <p:clrMapOvr>
-    <a:masterClrMapping/>
-  </p:clrMapOvr>
-</p:sld>
-</file>
-
-<file path=ppt/slides/slide11.xml><?xml version="1.0" encoding="utf-8"?>
-<p:sld xmlns:a="http://schemas.openxmlformats.org/drawingml/2006/main" xmlns:r="http://schemas.openxmlformats.org/officeDocument/2006/relationships" xmlns:p="http://schemas.openxmlformats.org/presentationml/2006/main">
-  <p:cSld>
-    <p:spTree>
-      <p:nvGrpSpPr>
-        <p:cNvPr id="1" name=""/>
-        <p:cNvGrpSpPr/>
-        <p:nvPr/>
-      </p:nvGrpSpPr>
-      <p:grpSpPr>
-        <a:xfrm>
-          <a:off x="0" y="0"/>
-          <a:ext cx="0" cy="0"/>
-          <a:chOff x="0" y="0"/>
-          <a:chExt cx="0" cy="0"/>
-        </a:xfrm>
-      </p:grpSpPr>
-      <p:sp>
-        <p:nvSpPr>
-          <p:cNvPr id="2" name="Cím 1"/>
-          <p:cNvSpPr>
-            <a:spLocks noGrp="1"/>
-          </p:cNvSpPr>
-          <p:nvPr>
-            <p:ph type="title"/>
-          </p:nvPr>
-        </p:nvSpPr>
         <p:spPr/>
         <p:txBody>
           <a:bodyPr/>
@@ -6035,75 +5946,7 @@
 </p:sld>
 </file>
 
-<file path=ppt/slides/slide12.xml><?xml version="1.0" encoding="utf-8"?>
-<p:sld xmlns:a="http://schemas.openxmlformats.org/drawingml/2006/main" xmlns:r="http://schemas.openxmlformats.org/officeDocument/2006/relationships" xmlns:p="http://schemas.openxmlformats.org/presentationml/2006/main">
-  <p:cSld>
-    <p:spTree>
-      <p:nvGrpSpPr>
-        <p:cNvPr id="1" name=""/>
-        <p:cNvGrpSpPr/>
-        <p:nvPr/>
-      </p:nvGrpSpPr>
-      <p:grpSpPr>
-        <a:xfrm>
-          <a:off x="0" y="0"/>
-          <a:ext cx="0" cy="0"/>
-          <a:chOff x="0" y="0"/>
-          <a:chExt cx="0" cy="0"/>
-        </a:xfrm>
-      </p:grpSpPr>
-      <p:sp>
-        <p:nvSpPr>
-          <p:cNvPr id="2" name="Cím 1"/>
-          <p:cNvSpPr>
-            <a:spLocks noGrp="1"/>
-          </p:cNvSpPr>
-          <p:nvPr>
-            <p:ph type="title"/>
-          </p:nvPr>
-        </p:nvSpPr>
-        <p:spPr/>
-        <p:txBody>
-          <a:bodyPr/>
-          <a:lstStyle/>
-          <a:p>
-            <a:endParaRPr lang="hu-HU"/>
-          </a:p>
-        </p:txBody>
-      </p:sp>
-      <p:sp>
-        <p:nvSpPr>
-          <p:cNvPr id="3" name="Tartalom helye 2"/>
-          <p:cNvSpPr>
-            <a:spLocks noGrp="1"/>
-          </p:cNvSpPr>
-          <p:nvPr>
-            <p:ph idx="1"/>
-          </p:nvPr>
-        </p:nvSpPr>
-        <p:spPr/>
-        <p:txBody>
-          <a:bodyPr/>
-          <a:lstStyle/>
-          <a:p>
-            <a:endParaRPr lang="hu-HU"/>
-          </a:p>
-        </p:txBody>
-      </p:sp>
-    </p:spTree>
-    <p:extLst>
-      <p:ext uri="{BB962C8B-B14F-4D97-AF65-F5344CB8AC3E}">
-        <p14:creationId xmlns:p14="http://schemas.microsoft.com/office/powerpoint/2010/main" val="2947586195"/>
-      </p:ext>
-    </p:extLst>
-  </p:cSld>
-  <p:clrMapOvr>
-    <a:masterClrMapping/>
-  </p:clrMapOvr>
-</p:sld>
-</file>
-
-<file path=ppt/slides/slide13.xml><?xml version="1.0" encoding="utf-8"?>
+<file path=ppt/slides/slide11.xml><?xml version="1.0" encoding="utf-8"?>
 <p:sld xmlns:a="http://schemas.openxmlformats.org/drawingml/2006/main" xmlns:r="http://schemas.openxmlformats.org/officeDocument/2006/relationships" xmlns:p="http://schemas.openxmlformats.org/presentationml/2006/main">
   <p:cSld>
     <p:spTree>
@@ -6185,7 +6028,7 @@
 </p:sld>
 </file>
 
-<file path=ppt/slides/slide14.xml><?xml version="1.0" encoding="utf-8"?>
+<file path=ppt/slides/slide12.xml><?xml version="1.0" encoding="utf-8"?>
 <p:sld xmlns:a="http://schemas.openxmlformats.org/drawingml/2006/main" xmlns:r="http://schemas.openxmlformats.org/officeDocument/2006/relationships" xmlns:p="http://schemas.openxmlformats.org/presentationml/2006/main">
   <p:cSld>
     <p:spTree>
@@ -6294,74 +6137,6 @@
             <p:ph type="title"/>
           </p:nvPr>
         </p:nvSpPr>
-        <p:spPr/>
-        <p:txBody>
-          <a:bodyPr/>
-          <a:lstStyle/>
-          <a:p>
-            <a:endParaRPr lang="hu-HU"/>
-          </a:p>
-        </p:txBody>
-      </p:sp>
-      <p:sp>
-        <p:nvSpPr>
-          <p:cNvPr id="3" name="Tartalom helye 2"/>
-          <p:cNvSpPr>
-            <a:spLocks noGrp="1"/>
-          </p:cNvSpPr>
-          <p:nvPr>
-            <p:ph idx="1"/>
-          </p:nvPr>
-        </p:nvSpPr>
-        <p:spPr/>
-        <p:txBody>
-          <a:bodyPr/>
-          <a:lstStyle/>
-          <a:p>
-            <a:endParaRPr lang="hu-HU"/>
-          </a:p>
-        </p:txBody>
-      </p:sp>
-    </p:spTree>
-    <p:extLst>
-      <p:ext uri="{BB962C8B-B14F-4D97-AF65-F5344CB8AC3E}">
-        <p14:creationId xmlns:p14="http://schemas.microsoft.com/office/powerpoint/2010/main" val="2010141429"/>
-      </p:ext>
-    </p:extLst>
-  </p:cSld>
-  <p:clrMapOvr>
-    <a:masterClrMapping/>
-  </p:clrMapOvr>
-</p:sld>
-</file>
-
-<file path=ppt/slides/slide3.xml><?xml version="1.0" encoding="utf-8"?>
-<p:sld xmlns:a="http://schemas.openxmlformats.org/drawingml/2006/main" xmlns:r="http://schemas.openxmlformats.org/officeDocument/2006/relationships" xmlns:p="http://schemas.openxmlformats.org/presentationml/2006/main">
-  <p:cSld>
-    <p:spTree>
-      <p:nvGrpSpPr>
-        <p:cNvPr id="1" name=""/>
-        <p:cNvGrpSpPr/>
-        <p:nvPr/>
-      </p:nvGrpSpPr>
-      <p:grpSpPr>
-        <a:xfrm>
-          <a:off x="0" y="0"/>
-          <a:ext cx="0" cy="0"/>
-          <a:chOff x="0" y="0"/>
-          <a:chExt cx="0" cy="0"/>
-        </a:xfrm>
-      </p:grpSpPr>
-      <p:sp>
-        <p:nvSpPr>
-          <p:cNvPr id="2" name="Cím 1"/>
-          <p:cNvSpPr>
-            <a:spLocks noGrp="1"/>
-          </p:cNvSpPr>
-          <p:nvPr>
-            <p:ph type="title"/>
-          </p:nvPr>
-        </p:nvSpPr>
         <p:spPr>
           <a:xfrm>
             <a:off x="727210" y="243840"/>
@@ -6422,7 +6197,7 @@
 </p:sld>
 </file>
 
-<file path=ppt/slides/slide4.xml><?xml version="1.0" encoding="utf-8"?>
+<file path=ppt/slides/slide3.xml><?xml version="1.0" encoding="utf-8"?>
 <p:sld xmlns:a="http://schemas.openxmlformats.org/drawingml/2006/main" xmlns:r="http://schemas.openxmlformats.org/officeDocument/2006/relationships" xmlns:p="http://schemas.openxmlformats.org/presentationml/2006/main">
   <p:cSld>
     <p:spTree>
@@ -6504,7 +6279,7 @@
 </p:sld>
 </file>
 
-<file path=ppt/slides/slide5.xml><?xml version="1.0" encoding="utf-8"?>
+<file path=ppt/slides/slide4.xml><?xml version="1.0" encoding="utf-8"?>
 <p:sld xmlns:a="http://schemas.openxmlformats.org/drawingml/2006/main" xmlns:r="http://schemas.openxmlformats.org/officeDocument/2006/relationships" xmlns:p="http://schemas.openxmlformats.org/presentationml/2006/main">
   <p:cSld>
     <p:spTree>
@@ -6586,7 +6361,7 @@
 </p:sld>
 </file>
 
-<file path=ppt/slides/slide6.xml><?xml version="1.0" encoding="utf-8"?>
+<file path=ppt/slides/slide5.xml><?xml version="1.0" encoding="utf-8"?>
 <p:sld xmlns:a="http://schemas.openxmlformats.org/drawingml/2006/main" xmlns:r="http://schemas.openxmlformats.org/officeDocument/2006/relationships" xmlns:p="http://schemas.openxmlformats.org/presentationml/2006/main">
   <p:cSld>
     <p:spTree>
@@ -6668,7 +6443,7 @@
 </p:sld>
 </file>
 
-<file path=ppt/slides/slide7.xml><?xml version="1.0" encoding="utf-8"?>
+<file path=ppt/slides/slide6.xml><?xml version="1.0" encoding="utf-8"?>
 <p:sld xmlns:a="http://schemas.openxmlformats.org/drawingml/2006/main" xmlns:r="http://schemas.openxmlformats.org/officeDocument/2006/relationships" xmlns:p="http://schemas.openxmlformats.org/presentationml/2006/main">
   <p:cSld>
     <p:spTree>
@@ -6750,7 +6525,7 @@
 </p:sld>
 </file>
 
-<file path=ppt/slides/slide8.xml><?xml version="1.0" encoding="utf-8"?>
+<file path=ppt/slides/slide7.xml><?xml version="1.0" encoding="utf-8"?>
 <p:sld xmlns:a="http://schemas.openxmlformats.org/drawingml/2006/main" xmlns:r="http://schemas.openxmlformats.org/officeDocument/2006/relationships" xmlns:p="http://schemas.openxmlformats.org/presentationml/2006/main">
   <p:cSld>
     <p:spTree>
@@ -6832,7 +6607,7 @@
 </p:sld>
 </file>
 
-<file path=ppt/slides/slide9.xml><?xml version="1.0" encoding="utf-8"?>
+<file path=ppt/slides/slide8.xml><?xml version="1.0" encoding="utf-8"?>
 <p:sld xmlns:a="http://schemas.openxmlformats.org/drawingml/2006/main" xmlns:r="http://schemas.openxmlformats.org/officeDocument/2006/relationships" xmlns:p="http://schemas.openxmlformats.org/presentationml/2006/main">
   <p:cSld>
     <p:spTree>
@@ -6905,6 +6680,93 @@
     <p:extLst>
       <p:ext uri="{BB962C8B-B14F-4D97-AF65-F5344CB8AC3E}">
         <p14:creationId xmlns:p14="http://schemas.microsoft.com/office/powerpoint/2010/main" val="3600894654"/>
+      </p:ext>
+    </p:extLst>
+  </p:cSld>
+  <p:clrMapOvr>
+    <a:masterClrMapping/>
+  </p:clrMapOvr>
+</p:sld>
+</file>
+
+<file path=ppt/slides/slide9.xml><?xml version="1.0" encoding="utf-8"?>
+<p:sld xmlns:a="http://schemas.openxmlformats.org/drawingml/2006/main" xmlns:r="http://schemas.openxmlformats.org/officeDocument/2006/relationships" xmlns:p="http://schemas.openxmlformats.org/presentationml/2006/main">
+  <p:cSld>
+    <p:spTree>
+      <p:nvGrpSpPr>
+        <p:cNvPr id="1" name=""/>
+        <p:cNvGrpSpPr/>
+        <p:nvPr/>
+      </p:nvGrpSpPr>
+      <p:grpSpPr>
+        <a:xfrm>
+          <a:off x="0" y="0"/>
+          <a:ext cx="0" cy="0"/>
+          <a:chOff x="0" y="0"/>
+          <a:chExt cx="0" cy="0"/>
+        </a:xfrm>
+      </p:grpSpPr>
+      <p:sp>
+        <p:nvSpPr>
+          <p:cNvPr id="2" name="Cím 1"/>
+          <p:cNvSpPr>
+            <a:spLocks noGrp="1"/>
+          </p:cNvSpPr>
+          <p:nvPr>
+            <p:ph type="title"/>
+          </p:nvPr>
+        </p:nvSpPr>
+        <p:spPr>
+          <a:xfrm>
+            <a:off x="575981" y="243840"/>
+            <a:ext cx="8596668" cy="1320800"/>
+          </a:xfrm>
+        </p:spPr>
+        <p:txBody>
+          <a:bodyPr/>
+          <a:lstStyle/>
+          <a:p>
+            <a:r>
+              <a:rPr lang="hu-HU" dirty="0" smtClean="0"/>
+              <a:t>Új edzésterv felvétele</a:t>
+            </a:r>
+            <a:endParaRPr lang="hu-HU" dirty="0"/>
+          </a:p>
+        </p:txBody>
+      </p:sp>
+      <p:pic>
+        <p:nvPicPr>
+          <p:cNvPr id="8" name="Tartalom helye 7"/>
+          <p:cNvPicPr>
+            <a:picLocks noGrp="1" noChangeAspect="1"/>
+          </p:cNvPicPr>
+          <p:nvPr>
+            <p:ph idx="1"/>
+          </p:nvPr>
+        </p:nvPicPr>
+        <p:blipFill>
+          <a:blip r:embed="rId2">
+            <a:extLst>
+              <a:ext uri="{28A0092B-C50C-407E-A947-70E740481C1C}">
+                <a14:useLocalDpi xmlns:a14="http://schemas.microsoft.com/office/drawing/2010/main" val="0"/>
+              </a:ext>
+            </a:extLst>
+          </a:blip>
+          <a:stretch>
+            <a:fillRect/>
+          </a:stretch>
+        </p:blipFill>
+        <p:spPr>
+          <a:xfrm>
+            <a:off x="2427316" y="904240"/>
+            <a:ext cx="4696690" cy="5836616"/>
+          </a:xfrm>
+        </p:spPr>
+      </p:pic>
+    </p:spTree>
+    <p:extLst>
+      <p:ext uri="{BB962C8B-B14F-4D97-AF65-F5344CB8AC3E}">
+        <p14:creationId xmlns:p14="http://schemas.microsoft.com/office/powerpoint/2010/main" val="719022423"/>
       </p:ext>
     </p:extLst>
   </p:cSld>

--- a/ShineGym&Fit edzésterv és étrendösszeállító webalkalmazás Szabó Richárd - Híves Sebastian.pptx
+++ b/ShineGym&Fit edzésterv és étrendösszeállító webalkalmazás Szabó Richárd - Híves Sebastian.pptx
@@ -2,16 +2,16 @@
 <file path=ppt/presentation.xml><?xml version="1.0" encoding="utf-8"?>
 <p:presentation xmlns:a="http://schemas.openxmlformats.org/drawingml/2006/main" xmlns:r="http://schemas.openxmlformats.org/officeDocument/2006/relationships" xmlns:p="http://schemas.openxmlformats.org/presentationml/2006/main" autoCompressPictures="0">
   <p:sldMasterIdLst>
-    <p:sldMasterId id="2147483648" r:id="rId1"/>
+    <p:sldMasterId id="2147483717" r:id="rId1"/>
   </p:sldMasterIdLst>
   <p:sldIdLst>
     <p:sldId id="256" r:id="rId2"/>
     <p:sldId id="258" r:id="rId3"/>
     <p:sldId id="259" r:id="rId4"/>
     <p:sldId id="260" r:id="rId5"/>
-    <p:sldId id="268" r:id="rId6"/>
+    <p:sldId id="261" r:id="rId6"/>
     <p:sldId id="269" r:id="rId7"/>
-    <p:sldId id="261" r:id="rId8"/>
+    <p:sldId id="268" r:id="rId8"/>
     <p:sldId id="262" r:id="rId9"/>
     <p:sldId id="265" r:id="rId10"/>
     <p:sldId id="267" r:id="rId11"/>
@@ -701,7 +701,7 @@
           </a:lstStyle>
           <a:p>
             <a:r>
-              <a:rPr lang="hu-HU" smtClean="0"/>
+              <a:rPr lang="hu-HU"/>
               <a:t>Mintacím szerkesztése</a:t>
             </a:r>
             <a:endParaRPr lang="en-US" dirty="0"/>
@@ -821,7 +821,7 @@
           </a:lstStyle>
           <a:p>
             <a:r>
-              <a:rPr lang="hu-HU" smtClean="0"/>
+              <a:rPr lang="hu-HU"/>
               <a:t>Kattintson ide az alcím mintájának szerkesztéséhez</a:t>
             </a:r>
             <a:endParaRPr lang="en-US" dirty="0"/>
@@ -844,9 +844,9 @@
           <a:lstStyle/>
           <a:p>
             <a:fld id="{B61BEF0D-F0BB-DE4B-95CE-6DB70DBA9567}" type="datetimeFigureOut">
-              <a:rPr lang="en-US" dirty="0"/>
+              <a:rPr lang="en-US" smtClean="0"/>
               <a:pPr/>
-              <a:t>4/13/2023</a:t>
+              <a:t>4/14/2023</a:t>
             </a:fld>
             <a:endParaRPr lang="en-US" dirty="0"/>
           </a:p>
@@ -887,7 +887,7 @@
           <a:lstStyle/>
           <a:p>
             <a:fld id="{D57F1E4F-1CFF-5643-939E-217C01CDF565}" type="slidenum">
-              <a:rPr lang="en-US" dirty="0"/>
+              <a:rPr lang="en-US" smtClean="0"/>
               <a:pPr/>
               <a:t>‹#›</a:t>
             </a:fld>
@@ -896,6 +896,11 @@
         </p:txBody>
       </p:sp>
     </p:spTree>
+    <p:extLst>
+      <p:ext uri="{BB962C8B-B14F-4D97-AF65-F5344CB8AC3E}">
+        <p14:creationId xmlns:p14="http://schemas.microsoft.com/office/powerpoint/2010/main" val="2461536130"/>
+      </p:ext>
+    </p:extLst>
   </p:cSld>
   <p:clrMapOvr>
     <a:masterClrMapping/>
@@ -947,7 +952,7 @@
           </a:lstStyle>
           <a:p>
             <a:r>
-              <a:rPr lang="hu-HU" smtClean="0"/>
+              <a:rPr lang="hu-HU"/>
               <a:t>Mintacím szerkesztése</a:t>
             </a:r>
             <a:endParaRPr lang="en-US" dirty="0"/>
@@ -1070,7 +1075,7 @@
           <a:p>
             <a:pPr lvl="0"/>
             <a:r>
-              <a:rPr lang="hu-HU" smtClean="0"/>
+              <a:rPr lang="hu-HU"/>
               <a:t>Mintaszöveg szerkesztése</a:t>
             </a:r>
           </a:p>
@@ -1092,9 +1097,9 @@
           <a:lstStyle/>
           <a:p>
             <a:fld id="{B61BEF0D-F0BB-DE4B-95CE-6DB70DBA9567}" type="datetimeFigureOut">
-              <a:rPr lang="en-US" dirty="0"/>
+              <a:rPr lang="en-US" smtClean="0"/>
               <a:pPr/>
-              <a:t>4/13/2023</a:t>
+              <a:t>4/14/2023</a:t>
             </a:fld>
             <a:endParaRPr lang="en-US" dirty="0"/>
           </a:p>
@@ -1135,7 +1140,7 @@
           <a:lstStyle/>
           <a:p>
             <a:fld id="{D57F1E4F-1CFF-5643-939E-217C01CDF565}" type="slidenum">
-              <a:rPr lang="en-US" dirty="0"/>
+              <a:rPr lang="en-US" smtClean="0"/>
               <a:pPr/>
               <a:t>‹#›</a:t>
             </a:fld>
@@ -1144,6 +1149,11 @@
         </p:txBody>
       </p:sp>
     </p:spTree>
+    <p:extLst>
+      <p:ext uri="{BB962C8B-B14F-4D97-AF65-F5344CB8AC3E}">
+        <p14:creationId xmlns:p14="http://schemas.microsoft.com/office/powerpoint/2010/main" val="723194899"/>
+      </p:ext>
+    </p:extLst>
   </p:cSld>
   <p:clrMapOvr>
     <a:masterClrMapping/>
@@ -1195,7 +1205,7 @@
           </a:lstStyle>
           <a:p>
             <a:r>
-              <a:rPr lang="hu-HU" smtClean="0"/>
+              <a:rPr lang="hu-HU"/>
               <a:t>Mintacím szerkesztése</a:t>
             </a:r>
             <a:endParaRPr lang="en-US" dirty="0"/>
@@ -1259,7 +1269,7 @@
           <a:p>
             <a:pPr lvl="0"/>
             <a:r>
-              <a:rPr lang="hu-HU" smtClean="0"/>
+              <a:rPr lang="hu-HU"/>
               <a:t>Mintaszöveg szerkesztése</a:t>
             </a:r>
           </a:p>
@@ -1381,7 +1391,7 @@
           <a:p>
             <a:pPr lvl="0"/>
             <a:r>
-              <a:rPr lang="hu-HU" smtClean="0"/>
+              <a:rPr lang="hu-HU"/>
               <a:t>Mintaszöveg szerkesztése</a:t>
             </a:r>
           </a:p>
@@ -1403,9 +1413,9 @@
           <a:lstStyle/>
           <a:p>
             <a:fld id="{B61BEF0D-F0BB-DE4B-95CE-6DB70DBA9567}" type="datetimeFigureOut">
-              <a:rPr lang="en-US" dirty="0"/>
+              <a:rPr lang="en-US" smtClean="0"/>
               <a:pPr/>
-              <a:t>4/13/2023</a:t>
+              <a:t>4/14/2023</a:t>
             </a:fld>
             <a:endParaRPr lang="en-US" dirty="0"/>
           </a:p>
@@ -1446,7 +1456,7 @@
           <a:lstStyle/>
           <a:p>
             <a:fld id="{D57F1E4F-1CFF-5643-939E-217C01CDF565}" type="slidenum">
-              <a:rPr lang="en-US" dirty="0"/>
+              <a:rPr lang="en-US" smtClean="0"/>
               <a:pPr/>
               <a:t>‹#›</a:t>
             </a:fld>
@@ -1545,6 +1555,11 @@
         </p:txBody>
       </p:sp>
     </p:spTree>
+    <p:extLst>
+      <p:ext uri="{BB962C8B-B14F-4D97-AF65-F5344CB8AC3E}">
+        <p14:creationId xmlns:p14="http://schemas.microsoft.com/office/powerpoint/2010/main" val="2605194057"/>
+      </p:ext>
+    </p:extLst>
   </p:cSld>
   <p:clrMapOvr>
     <a:masterClrMapping/>
@@ -1596,7 +1611,7 @@
           </a:lstStyle>
           <a:p>
             <a:r>
-              <a:rPr lang="hu-HU" smtClean="0"/>
+              <a:rPr lang="hu-HU"/>
               <a:t>Mintacím szerkesztése</a:t>
             </a:r>
             <a:endParaRPr lang="en-US" dirty="0"/>
@@ -1719,7 +1734,7 @@
           <a:p>
             <a:pPr lvl="0"/>
             <a:r>
-              <a:rPr lang="hu-HU" smtClean="0"/>
+              <a:rPr lang="hu-HU"/>
               <a:t>Mintaszöveg szerkesztése</a:t>
             </a:r>
           </a:p>
@@ -1741,9 +1756,9 @@
           <a:lstStyle/>
           <a:p>
             <a:fld id="{B61BEF0D-F0BB-DE4B-95CE-6DB70DBA9567}" type="datetimeFigureOut">
-              <a:rPr lang="en-US" dirty="0"/>
+              <a:rPr lang="en-US" smtClean="0"/>
               <a:pPr/>
-              <a:t>4/13/2023</a:t>
+              <a:t>4/14/2023</a:t>
             </a:fld>
             <a:endParaRPr lang="en-US" dirty="0"/>
           </a:p>
@@ -1784,7 +1799,7 @@
           <a:lstStyle/>
           <a:p>
             <a:fld id="{D57F1E4F-1CFF-5643-939E-217C01CDF565}" type="slidenum">
-              <a:rPr lang="en-US" dirty="0"/>
+              <a:rPr lang="en-US" smtClean="0"/>
               <a:pPr/>
               <a:t>‹#›</a:t>
             </a:fld>
@@ -1793,6 +1808,11 @@
         </p:txBody>
       </p:sp>
     </p:spTree>
+    <p:extLst>
+      <p:ext uri="{BB962C8B-B14F-4D97-AF65-F5344CB8AC3E}">
+        <p14:creationId xmlns:p14="http://schemas.microsoft.com/office/powerpoint/2010/main" val="2442744210"/>
+      </p:ext>
+    </p:extLst>
   </p:cSld>
   <p:clrMapOvr>
     <a:masterClrMapping/>
@@ -1844,7 +1864,7 @@
           </a:lstStyle>
           <a:p>
             <a:r>
-              <a:rPr lang="hu-HU" smtClean="0"/>
+              <a:rPr lang="hu-HU"/>
               <a:t>Mintacím szerkesztése</a:t>
             </a:r>
             <a:endParaRPr lang="en-US" dirty="0"/>
@@ -1908,7 +1928,7 @@
           <a:p>
             <a:pPr lvl="0"/>
             <a:r>
-              <a:rPr lang="hu-HU" smtClean="0"/>
+              <a:rPr lang="hu-HU"/>
               <a:t>Mintaszöveg szerkesztése</a:t>
             </a:r>
           </a:p>
@@ -2030,7 +2050,7 @@
           <a:p>
             <a:pPr lvl="0"/>
             <a:r>
-              <a:rPr lang="hu-HU" smtClean="0"/>
+              <a:rPr lang="hu-HU"/>
               <a:t>Mintaszöveg szerkesztése</a:t>
             </a:r>
           </a:p>
@@ -2052,9 +2072,9 @@
           <a:lstStyle/>
           <a:p>
             <a:fld id="{B61BEF0D-F0BB-DE4B-95CE-6DB70DBA9567}" type="datetimeFigureOut">
-              <a:rPr lang="en-US" dirty="0"/>
+              <a:rPr lang="en-US" smtClean="0"/>
               <a:pPr/>
-              <a:t>4/13/2023</a:t>
+              <a:t>4/14/2023</a:t>
             </a:fld>
             <a:endParaRPr lang="en-US" dirty="0"/>
           </a:p>
@@ -2095,7 +2115,7 @@
           <a:lstStyle/>
           <a:p>
             <a:fld id="{D57F1E4F-1CFF-5643-939E-217C01CDF565}" type="slidenum">
-              <a:rPr lang="en-US" dirty="0"/>
+              <a:rPr lang="en-US" smtClean="0"/>
               <a:pPr/>
               <a:t>‹#›</a:t>
             </a:fld>
@@ -2186,6 +2206,11 @@
         </p:txBody>
       </p:sp>
     </p:spTree>
+    <p:extLst>
+      <p:ext uri="{BB962C8B-B14F-4D97-AF65-F5344CB8AC3E}">
+        <p14:creationId xmlns:p14="http://schemas.microsoft.com/office/powerpoint/2010/main" val="3769295124"/>
+      </p:ext>
+    </p:extLst>
   </p:cSld>
   <p:clrMapOvr>
     <a:masterClrMapping/>
@@ -2237,7 +2262,7 @@
           </a:lstStyle>
           <a:p>
             <a:r>
-              <a:rPr lang="hu-HU" smtClean="0"/>
+              <a:rPr lang="hu-HU"/>
               <a:t>Mintacím szerkesztése</a:t>
             </a:r>
             <a:endParaRPr lang="en-US" dirty="0"/>
@@ -2298,7 +2323,7 @@
           <a:p>
             <a:pPr lvl="0"/>
             <a:r>
-              <a:rPr lang="hu-HU" smtClean="0"/>
+              <a:rPr lang="hu-HU"/>
               <a:t>Mintaszöveg szerkesztése</a:t>
             </a:r>
           </a:p>
@@ -2420,7 +2445,7 @@
           <a:p>
             <a:pPr lvl="0"/>
             <a:r>
-              <a:rPr lang="hu-HU" smtClean="0"/>
+              <a:rPr lang="hu-HU"/>
               <a:t>Mintaszöveg szerkesztése</a:t>
             </a:r>
           </a:p>
@@ -2442,9 +2467,9 @@
           <a:lstStyle/>
           <a:p>
             <a:fld id="{B61BEF0D-F0BB-DE4B-95CE-6DB70DBA9567}" type="datetimeFigureOut">
-              <a:rPr lang="en-US" dirty="0"/>
+              <a:rPr lang="en-US" smtClean="0"/>
               <a:pPr/>
-              <a:t>4/13/2023</a:t>
+              <a:t>4/14/2023</a:t>
             </a:fld>
             <a:endParaRPr lang="en-US" dirty="0"/>
           </a:p>
@@ -2485,7 +2510,7 @@
           <a:lstStyle/>
           <a:p>
             <a:fld id="{D57F1E4F-1CFF-5643-939E-217C01CDF565}" type="slidenum">
-              <a:rPr lang="en-US" dirty="0"/>
+              <a:rPr lang="en-US" smtClean="0"/>
               <a:pPr/>
               <a:t>‹#›</a:t>
             </a:fld>
@@ -2494,6 +2519,11 @@
         </p:txBody>
       </p:sp>
     </p:spTree>
+    <p:extLst>
+      <p:ext uri="{BB962C8B-B14F-4D97-AF65-F5344CB8AC3E}">
+        <p14:creationId xmlns:p14="http://schemas.microsoft.com/office/powerpoint/2010/main" val="1013511884"/>
+      </p:ext>
+    </p:extLst>
   </p:cSld>
   <p:clrMapOvr>
     <a:masterClrMapping/>
@@ -2534,7 +2564,7 @@
           <a:lstStyle/>
           <a:p>
             <a:r>
-              <a:rPr lang="hu-HU" smtClean="0"/>
+              <a:rPr lang="hu-HU"/>
               <a:t>Mintacím szerkesztése</a:t>
             </a:r>
             <a:endParaRPr lang="en-US" dirty="0"/>
@@ -2558,35 +2588,35 @@
           <a:p>
             <a:pPr lvl="0"/>
             <a:r>
-              <a:rPr lang="hu-HU" smtClean="0"/>
+              <a:rPr lang="hu-HU"/>
               <a:t>Mintaszöveg szerkesztése</a:t>
             </a:r>
           </a:p>
           <a:p>
             <a:pPr lvl="1"/>
             <a:r>
-              <a:rPr lang="hu-HU" smtClean="0"/>
+              <a:rPr lang="hu-HU"/>
               <a:t>Második szint</a:t>
             </a:r>
           </a:p>
           <a:p>
             <a:pPr lvl="2"/>
             <a:r>
-              <a:rPr lang="hu-HU" smtClean="0"/>
+              <a:rPr lang="hu-HU"/>
               <a:t>Harmadik szint</a:t>
             </a:r>
           </a:p>
           <a:p>
             <a:pPr lvl="3"/>
             <a:r>
-              <a:rPr lang="hu-HU" smtClean="0"/>
+              <a:rPr lang="hu-HU"/>
               <a:t>Negyedik szint</a:t>
             </a:r>
           </a:p>
           <a:p>
             <a:pPr lvl="4"/>
             <a:r>
-              <a:rPr lang="hu-HU" smtClean="0"/>
+              <a:rPr lang="hu-HU"/>
               <a:t>Ötödik szint</a:t>
             </a:r>
             <a:endParaRPr lang="en-US" dirty="0"/>
@@ -2609,8 +2639,8 @@
           <a:lstStyle/>
           <a:p>
             <a:fld id="{55C6B4A9-1611-4792-9094-5F34BCA07E0B}" type="datetimeFigureOut">
-              <a:rPr lang="en-US" dirty="0"/>
-              <a:t>4/13/2023</a:t>
+              <a:rPr lang="en-US" smtClean="0"/>
+              <a:t>4/14/2023</a:t>
             </a:fld>
             <a:endParaRPr lang="en-US" dirty="0"/>
           </a:p>
@@ -2651,7 +2681,7 @@
           <a:lstStyle/>
           <a:p>
             <a:fld id="{89333C77-0158-454C-844F-B7AB9BD7DAD4}" type="slidenum">
-              <a:rPr lang="en-US" dirty="0"/>
+              <a:rPr lang="en-US" smtClean="0"/>
               <a:t>‹#›</a:t>
             </a:fld>
             <a:endParaRPr lang="en-US" dirty="0"/>
@@ -2659,6 +2689,11 @@
         </p:txBody>
       </p:sp>
     </p:spTree>
+    <p:extLst>
+      <p:ext uri="{BB962C8B-B14F-4D97-AF65-F5344CB8AC3E}">
+        <p14:creationId xmlns:p14="http://schemas.microsoft.com/office/powerpoint/2010/main" val="1284659517"/>
+      </p:ext>
+    </p:extLst>
   </p:cSld>
   <p:clrMapOvr>
     <a:masterClrMapping/>
@@ -2704,7 +2739,7 @@
           <a:lstStyle/>
           <a:p>
             <a:r>
-              <a:rPr lang="hu-HU" smtClean="0"/>
+              <a:rPr lang="hu-HU"/>
               <a:t>Mintacím szerkesztése</a:t>
             </a:r>
             <a:endParaRPr lang="en-US" dirty="0"/>
@@ -2733,35 +2768,35 @@
           <a:p>
             <a:pPr lvl="0"/>
             <a:r>
-              <a:rPr lang="hu-HU" smtClean="0"/>
+              <a:rPr lang="hu-HU"/>
               <a:t>Mintaszöveg szerkesztése</a:t>
             </a:r>
           </a:p>
           <a:p>
             <a:pPr lvl="1"/>
             <a:r>
-              <a:rPr lang="hu-HU" smtClean="0"/>
+              <a:rPr lang="hu-HU"/>
               <a:t>Második szint</a:t>
             </a:r>
           </a:p>
           <a:p>
             <a:pPr lvl="2"/>
             <a:r>
-              <a:rPr lang="hu-HU" smtClean="0"/>
+              <a:rPr lang="hu-HU"/>
               <a:t>Harmadik szint</a:t>
             </a:r>
           </a:p>
           <a:p>
             <a:pPr lvl="3"/>
             <a:r>
-              <a:rPr lang="hu-HU" smtClean="0"/>
+              <a:rPr lang="hu-HU"/>
               <a:t>Negyedik szint</a:t>
             </a:r>
           </a:p>
           <a:p>
             <a:pPr lvl="4"/>
             <a:r>
-              <a:rPr lang="hu-HU" smtClean="0"/>
+              <a:rPr lang="hu-HU"/>
               <a:t>Ötödik szint</a:t>
             </a:r>
             <a:endParaRPr lang="en-US" dirty="0"/>
@@ -2784,9 +2819,9 @@
           <a:lstStyle/>
           <a:p>
             <a:fld id="{B61BEF0D-F0BB-DE4B-95CE-6DB70DBA9567}" type="datetimeFigureOut">
-              <a:rPr lang="en-US" dirty="0"/>
+              <a:rPr lang="en-US" smtClean="0"/>
               <a:pPr/>
-              <a:t>4/13/2023</a:t>
+              <a:t>4/14/2023</a:t>
             </a:fld>
             <a:endParaRPr lang="en-US" dirty="0"/>
           </a:p>
@@ -2827,7 +2862,7 @@
           <a:lstStyle/>
           <a:p>
             <a:fld id="{D57F1E4F-1CFF-5643-939E-217C01CDF565}" type="slidenum">
-              <a:rPr lang="en-US" dirty="0"/>
+              <a:rPr lang="en-US" smtClean="0"/>
               <a:pPr/>
               <a:t>‹#›</a:t>
             </a:fld>
@@ -2836,6 +2871,11 @@
         </p:txBody>
       </p:sp>
     </p:spTree>
+    <p:extLst>
+      <p:ext uri="{BB962C8B-B14F-4D97-AF65-F5344CB8AC3E}">
+        <p14:creationId xmlns:p14="http://schemas.microsoft.com/office/powerpoint/2010/main" val="2679696871"/>
+      </p:ext>
+    </p:extLst>
   </p:cSld>
   <p:clrMapOvr>
     <a:masterClrMapping/>
@@ -2882,7 +2922,7 @@
           </a:lstStyle>
           <a:p>
             <a:r>
-              <a:rPr lang="hu-HU" smtClean="0"/>
+              <a:rPr lang="hu-HU"/>
               <a:t>Mintacím szerkesztése</a:t>
             </a:r>
             <a:endParaRPr lang="en-US" dirty="0"/>
@@ -2906,35 +2946,35 @@
           <a:p>
             <a:pPr lvl="0"/>
             <a:r>
-              <a:rPr lang="hu-HU" smtClean="0"/>
+              <a:rPr lang="hu-HU"/>
               <a:t>Mintaszöveg szerkesztése</a:t>
             </a:r>
           </a:p>
           <a:p>
             <a:pPr lvl="1"/>
             <a:r>
-              <a:rPr lang="hu-HU" smtClean="0"/>
+              <a:rPr lang="hu-HU"/>
               <a:t>Második szint</a:t>
             </a:r>
           </a:p>
           <a:p>
             <a:pPr lvl="2"/>
             <a:r>
-              <a:rPr lang="hu-HU" smtClean="0"/>
+              <a:rPr lang="hu-HU"/>
               <a:t>Harmadik szint</a:t>
             </a:r>
           </a:p>
           <a:p>
             <a:pPr lvl="3"/>
             <a:r>
-              <a:rPr lang="hu-HU" smtClean="0"/>
+              <a:rPr lang="hu-HU"/>
               <a:t>Negyedik szint</a:t>
             </a:r>
           </a:p>
           <a:p>
             <a:pPr lvl="4"/>
             <a:r>
-              <a:rPr lang="hu-HU" smtClean="0"/>
+              <a:rPr lang="hu-HU"/>
               <a:t>Ötödik szint</a:t>
             </a:r>
             <a:endParaRPr lang="en-US" dirty="0"/>
@@ -2957,9 +2997,9 @@
           <a:lstStyle/>
           <a:p>
             <a:fld id="{B61BEF0D-F0BB-DE4B-95CE-6DB70DBA9567}" type="datetimeFigureOut">
-              <a:rPr lang="en-US" dirty="0"/>
+              <a:rPr lang="en-US" smtClean="0"/>
               <a:pPr/>
-              <a:t>4/13/2023</a:t>
+              <a:t>4/14/2023</a:t>
             </a:fld>
             <a:endParaRPr lang="en-US" dirty="0"/>
           </a:p>
@@ -3000,7 +3040,7 @@
           <a:lstStyle/>
           <a:p>
             <a:fld id="{D57F1E4F-1CFF-5643-939E-217C01CDF565}" type="slidenum">
-              <a:rPr lang="en-US" dirty="0"/>
+              <a:rPr lang="en-US" smtClean="0"/>
               <a:pPr/>
               <a:t>‹#›</a:t>
             </a:fld>
@@ -3009,6 +3049,11 @@
         </p:txBody>
       </p:sp>
     </p:spTree>
+    <p:extLst>
+      <p:ext uri="{BB962C8B-B14F-4D97-AF65-F5344CB8AC3E}">
+        <p14:creationId xmlns:p14="http://schemas.microsoft.com/office/powerpoint/2010/main" val="1638072796"/>
+      </p:ext>
+    </p:extLst>
   </p:cSld>
   <p:clrMapOvr>
     <a:masterClrMapping/>
@@ -3058,7 +3103,7 @@
           </a:lstStyle>
           <a:p>
             <a:r>
-              <a:rPr lang="hu-HU" smtClean="0"/>
+              <a:rPr lang="hu-HU"/>
               <a:t>Mintacím szerkesztése</a:t>
             </a:r>
             <a:endParaRPr lang="en-US" dirty="0"/>
@@ -3179,7 +3224,7 @@
           <a:p>
             <a:pPr lvl="0"/>
             <a:r>
-              <a:rPr lang="hu-HU" smtClean="0"/>
+              <a:rPr lang="hu-HU"/>
               <a:t>Mintaszöveg szerkesztése</a:t>
             </a:r>
           </a:p>
@@ -3201,9 +3246,9 @@
           <a:lstStyle/>
           <a:p>
             <a:fld id="{B61BEF0D-F0BB-DE4B-95CE-6DB70DBA9567}" type="datetimeFigureOut">
-              <a:rPr lang="en-US" dirty="0"/>
+              <a:rPr lang="en-US" smtClean="0"/>
               <a:pPr/>
-              <a:t>4/13/2023</a:t>
+              <a:t>4/14/2023</a:t>
             </a:fld>
             <a:endParaRPr lang="en-US" dirty="0"/>
           </a:p>
@@ -3244,7 +3289,7 @@
           <a:lstStyle/>
           <a:p>
             <a:fld id="{D57F1E4F-1CFF-5643-939E-217C01CDF565}" type="slidenum">
-              <a:rPr lang="en-US" dirty="0"/>
+              <a:rPr lang="en-US" smtClean="0"/>
               <a:pPr/>
               <a:t>‹#›</a:t>
             </a:fld>
@@ -3253,6 +3298,11 @@
         </p:txBody>
       </p:sp>
     </p:spTree>
+    <p:extLst>
+      <p:ext uri="{BB962C8B-B14F-4D97-AF65-F5344CB8AC3E}">
+        <p14:creationId xmlns:p14="http://schemas.microsoft.com/office/powerpoint/2010/main" val="293295728"/>
+      </p:ext>
+    </p:extLst>
   </p:cSld>
   <p:clrMapOvr>
     <a:masterClrMapping/>
@@ -3293,7 +3343,7 @@
           <a:lstStyle/>
           <a:p>
             <a:r>
-              <a:rPr lang="hu-HU" smtClean="0"/>
+              <a:rPr lang="hu-HU"/>
               <a:t>Mintacím szerkesztése</a:t>
             </a:r>
             <a:endParaRPr lang="en-US" dirty="0"/>
@@ -3322,35 +3372,35 @@
           <a:p>
             <a:pPr lvl="0"/>
             <a:r>
-              <a:rPr lang="hu-HU" smtClean="0"/>
+              <a:rPr lang="hu-HU"/>
               <a:t>Mintaszöveg szerkesztése</a:t>
             </a:r>
           </a:p>
           <a:p>
             <a:pPr lvl="1"/>
             <a:r>
-              <a:rPr lang="hu-HU" smtClean="0"/>
+              <a:rPr lang="hu-HU"/>
               <a:t>Második szint</a:t>
             </a:r>
           </a:p>
           <a:p>
             <a:pPr lvl="2"/>
             <a:r>
-              <a:rPr lang="hu-HU" smtClean="0"/>
+              <a:rPr lang="hu-HU"/>
               <a:t>Harmadik szint</a:t>
             </a:r>
           </a:p>
           <a:p>
             <a:pPr lvl="3"/>
             <a:r>
-              <a:rPr lang="hu-HU" smtClean="0"/>
+              <a:rPr lang="hu-HU"/>
               <a:t>Negyedik szint</a:t>
             </a:r>
           </a:p>
           <a:p>
             <a:pPr lvl="4"/>
             <a:r>
-              <a:rPr lang="hu-HU" smtClean="0"/>
+              <a:rPr lang="hu-HU"/>
               <a:t>Ötödik szint</a:t>
             </a:r>
             <a:endParaRPr lang="en-US" dirty="0"/>
@@ -3379,35 +3429,35 @@
           <a:p>
             <a:pPr lvl="0"/>
             <a:r>
-              <a:rPr lang="hu-HU" smtClean="0"/>
+              <a:rPr lang="hu-HU"/>
               <a:t>Mintaszöveg szerkesztése</a:t>
             </a:r>
           </a:p>
           <a:p>
             <a:pPr lvl="1"/>
             <a:r>
-              <a:rPr lang="hu-HU" smtClean="0"/>
+              <a:rPr lang="hu-HU"/>
               <a:t>Második szint</a:t>
             </a:r>
           </a:p>
           <a:p>
             <a:pPr lvl="2"/>
             <a:r>
-              <a:rPr lang="hu-HU" smtClean="0"/>
+              <a:rPr lang="hu-HU"/>
               <a:t>Harmadik szint</a:t>
             </a:r>
           </a:p>
           <a:p>
             <a:pPr lvl="3"/>
             <a:r>
-              <a:rPr lang="hu-HU" smtClean="0"/>
+              <a:rPr lang="hu-HU"/>
               <a:t>Negyedik szint</a:t>
             </a:r>
           </a:p>
           <a:p>
             <a:pPr lvl="4"/>
             <a:r>
-              <a:rPr lang="hu-HU" smtClean="0"/>
+              <a:rPr lang="hu-HU"/>
               <a:t>Ötödik szint</a:t>
             </a:r>
             <a:endParaRPr lang="en-US" dirty="0"/>
@@ -3430,8 +3480,8 @@
           <a:lstStyle/>
           <a:p>
             <a:fld id="{EB712588-04B1-427B-82EE-E8DB90309F08}" type="datetimeFigureOut">
-              <a:rPr lang="en-US" dirty="0"/>
-              <a:t>4/13/2023</a:t>
+              <a:rPr lang="en-US" smtClean="0"/>
+              <a:t>4/14/2023</a:t>
             </a:fld>
             <a:endParaRPr lang="en-US" dirty="0"/>
           </a:p>
@@ -3472,7 +3522,7 @@
           <a:lstStyle/>
           <a:p>
             <a:fld id="{6FF9F0C5-380F-41C2-899A-BAC0F0927E16}" type="slidenum">
-              <a:rPr lang="en-US" dirty="0"/>
+              <a:rPr lang="en-US" smtClean="0"/>
               <a:t>‹#›</a:t>
             </a:fld>
             <a:endParaRPr lang="en-US" dirty="0"/>
@@ -3480,6 +3530,11 @@
         </p:txBody>
       </p:sp>
     </p:spTree>
+    <p:extLst>
+      <p:ext uri="{BB962C8B-B14F-4D97-AF65-F5344CB8AC3E}">
+        <p14:creationId xmlns:p14="http://schemas.microsoft.com/office/powerpoint/2010/main" val="1805541583"/>
+      </p:ext>
+    </p:extLst>
   </p:cSld>
   <p:clrMapOvr>
     <a:masterClrMapping/>
@@ -3524,7 +3579,7 @@
           </a:lstStyle>
           <a:p>
             <a:r>
-              <a:rPr lang="hu-HU" smtClean="0"/>
+              <a:rPr lang="hu-HU"/>
               <a:t>Mintacím szerkesztése</a:t>
             </a:r>
             <a:endParaRPr lang="en-US" dirty="0"/>
@@ -3592,7 +3647,7 @@
           <a:p>
             <a:pPr lvl="0"/>
             <a:r>
-              <a:rPr lang="hu-HU" smtClean="0"/>
+              <a:rPr lang="hu-HU"/>
               <a:t>Mintaszöveg szerkesztése</a:t>
             </a:r>
           </a:p>
@@ -3622,35 +3677,35 @@
           <a:p>
             <a:pPr lvl="0"/>
             <a:r>
-              <a:rPr lang="hu-HU" smtClean="0"/>
+              <a:rPr lang="hu-HU"/>
               <a:t>Mintaszöveg szerkesztése</a:t>
             </a:r>
           </a:p>
           <a:p>
             <a:pPr lvl="1"/>
             <a:r>
-              <a:rPr lang="hu-HU" smtClean="0"/>
+              <a:rPr lang="hu-HU"/>
               <a:t>Második szint</a:t>
             </a:r>
           </a:p>
           <a:p>
             <a:pPr lvl="2"/>
             <a:r>
-              <a:rPr lang="hu-HU" smtClean="0"/>
+              <a:rPr lang="hu-HU"/>
               <a:t>Harmadik szint</a:t>
             </a:r>
           </a:p>
           <a:p>
             <a:pPr lvl="3"/>
             <a:r>
-              <a:rPr lang="hu-HU" smtClean="0"/>
+              <a:rPr lang="hu-HU"/>
               <a:t>Negyedik szint</a:t>
             </a:r>
           </a:p>
           <a:p>
             <a:pPr lvl="4"/>
             <a:r>
-              <a:rPr lang="hu-HU" smtClean="0"/>
+              <a:rPr lang="hu-HU"/>
               <a:t>Ötödik szint</a:t>
             </a:r>
             <a:endParaRPr lang="en-US" dirty="0"/>
@@ -3718,7 +3773,7 @@
           <a:p>
             <a:pPr lvl="0"/>
             <a:r>
-              <a:rPr lang="hu-HU" smtClean="0"/>
+              <a:rPr lang="hu-HU"/>
               <a:t>Mintaszöveg szerkesztése</a:t>
             </a:r>
           </a:p>
@@ -3748,35 +3803,35 @@
           <a:p>
             <a:pPr lvl="0"/>
             <a:r>
-              <a:rPr lang="hu-HU" smtClean="0"/>
+              <a:rPr lang="hu-HU"/>
               <a:t>Mintaszöveg szerkesztése</a:t>
             </a:r>
           </a:p>
           <a:p>
             <a:pPr lvl="1"/>
             <a:r>
-              <a:rPr lang="hu-HU" smtClean="0"/>
+              <a:rPr lang="hu-HU"/>
               <a:t>Második szint</a:t>
             </a:r>
           </a:p>
           <a:p>
             <a:pPr lvl="2"/>
             <a:r>
-              <a:rPr lang="hu-HU" smtClean="0"/>
+              <a:rPr lang="hu-HU"/>
               <a:t>Harmadik szint</a:t>
             </a:r>
           </a:p>
           <a:p>
             <a:pPr lvl="3"/>
             <a:r>
-              <a:rPr lang="hu-HU" smtClean="0"/>
+              <a:rPr lang="hu-HU"/>
               <a:t>Negyedik szint</a:t>
             </a:r>
           </a:p>
           <a:p>
             <a:pPr lvl="4"/>
             <a:r>
-              <a:rPr lang="hu-HU" smtClean="0"/>
+              <a:rPr lang="hu-HU"/>
               <a:t>Ötödik szint</a:t>
             </a:r>
             <a:endParaRPr lang="en-US" dirty="0"/>
@@ -3799,9 +3854,9 @@
           <a:lstStyle/>
           <a:p>
             <a:fld id="{B61BEF0D-F0BB-DE4B-95CE-6DB70DBA9567}" type="datetimeFigureOut">
-              <a:rPr lang="en-US" dirty="0"/>
+              <a:rPr lang="en-US" smtClean="0"/>
               <a:pPr/>
-              <a:t>4/13/2023</a:t>
+              <a:t>4/14/2023</a:t>
             </a:fld>
             <a:endParaRPr lang="en-US" dirty="0"/>
           </a:p>
@@ -3842,7 +3897,7 @@
           <a:lstStyle/>
           <a:p>
             <a:fld id="{D57F1E4F-1CFF-5643-939E-217C01CDF565}" type="slidenum">
-              <a:rPr lang="en-US" dirty="0"/>
+              <a:rPr lang="en-US" smtClean="0"/>
               <a:pPr/>
               <a:t>‹#›</a:t>
             </a:fld>
@@ -3851,6 +3906,11 @@
         </p:txBody>
       </p:sp>
     </p:spTree>
+    <p:extLst>
+      <p:ext uri="{BB962C8B-B14F-4D97-AF65-F5344CB8AC3E}">
+        <p14:creationId xmlns:p14="http://schemas.microsoft.com/office/powerpoint/2010/main" val="511800035"/>
+      </p:ext>
+    </p:extLst>
   </p:cSld>
   <p:clrMapOvr>
     <a:masterClrMapping/>
@@ -3896,7 +3956,7 @@
           <a:lstStyle/>
           <a:p>
             <a:r>
-              <a:rPr lang="hu-HU" smtClean="0"/>
+              <a:rPr lang="hu-HU"/>
               <a:t>Mintacím szerkesztése</a:t>
             </a:r>
             <a:endParaRPr lang="en-US" dirty="0"/>
@@ -3919,9 +3979,9 @@
           <a:lstStyle/>
           <a:p>
             <a:fld id="{B61BEF0D-F0BB-DE4B-95CE-6DB70DBA9567}" type="datetimeFigureOut">
-              <a:rPr lang="en-US" dirty="0"/>
+              <a:rPr lang="en-US" smtClean="0"/>
               <a:pPr/>
-              <a:t>4/13/2023</a:t>
+              <a:t>4/14/2023</a:t>
             </a:fld>
             <a:endParaRPr lang="en-US" dirty="0"/>
           </a:p>
@@ -3962,7 +4022,7 @@
           <a:lstStyle/>
           <a:p>
             <a:fld id="{D57F1E4F-1CFF-5643-939E-217C01CDF565}" type="slidenum">
-              <a:rPr lang="en-US" dirty="0"/>
+              <a:rPr lang="en-US" smtClean="0"/>
               <a:pPr/>
               <a:t>‹#›</a:t>
             </a:fld>
@@ -3971,6 +4031,11 @@
         </p:txBody>
       </p:sp>
     </p:spTree>
+    <p:extLst>
+      <p:ext uri="{BB962C8B-B14F-4D97-AF65-F5344CB8AC3E}">
+        <p14:creationId xmlns:p14="http://schemas.microsoft.com/office/powerpoint/2010/main" val="1571747254"/>
+      </p:ext>
+    </p:extLst>
   </p:cSld>
   <p:clrMapOvr>
     <a:masterClrMapping/>
@@ -4011,9 +4076,9 @@
           <a:lstStyle/>
           <a:p>
             <a:fld id="{B61BEF0D-F0BB-DE4B-95CE-6DB70DBA9567}" type="datetimeFigureOut">
-              <a:rPr lang="en-US" dirty="0"/>
+              <a:rPr lang="en-US" smtClean="0"/>
               <a:pPr/>
-              <a:t>4/13/2023</a:t>
+              <a:t>4/14/2023</a:t>
             </a:fld>
             <a:endParaRPr lang="en-US" dirty="0"/>
           </a:p>
@@ -4054,7 +4119,7 @@
           <a:lstStyle/>
           <a:p>
             <a:fld id="{D57F1E4F-1CFF-5643-939E-217C01CDF565}" type="slidenum">
-              <a:rPr lang="en-US" dirty="0"/>
+              <a:rPr lang="en-US" smtClean="0"/>
               <a:pPr/>
               <a:t>‹#›</a:t>
             </a:fld>
@@ -4063,6 +4128,11 @@
         </p:txBody>
       </p:sp>
     </p:spTree>
+    <p:extLst>
+      <p:ext uri="{BB962C8B-B14F-4D97-AF65-F5344CB8AC3E}">
+        <p14:creationId xmlns:p14="http://schemas.microsoft.com/office/powerpoint/2010/main" val="2855392997"/>
+      </p:ext>
+    </p:extLst>
   </p:cSld>
   <p:clrMapOvr>
     <a:masterClrMapping/>
@@ -4114,7 +4184,7 @@
           </a:lstStyle>
           <a:p>
             <a:r>
-              <a:rPr lang="hu-HU" smtClean="0"/>
+              <a:rPr lang="hu-HU"/>
               <a:t>Mintacím szerkesztése</a:t>
             </a:r>
             <a:endParaRPr lang="en-US" dirty="0"/>
@@ -4145,35 +4215,35 @@
           <a:p>
             <a:pPr lvl="0"/>
             <a:r>
-              <a:rPr lang="hu-HU" smtClean="0"/>
+              <a:rPr lang="hu-HU"/>
               <a:t>Mintaszöveg szerkesztése</a:t>
             </a:r>
           </a:p>
           <a:p>
             <a:pPr lvl="1"/>
             <a:r>
-              <a:rPr lang="hu-HU" smtClean="0"/>
+              <a:rPr lang="hu-HU"/>
               <a:t>Második szint</a:t>
             </a:r>
           </a:p>
           <a:p>
             <a:pPr lvl="2"/>
             <a:r>
-              <a:rPr lang="hu-HU" smtClean="0"/>
+              <a:rPr lang="hu-HU"/>
               <a:t>Harmadik szint</a:t>
             </a:r>
           </a:p>
           <a:p>
             <a:pPr lvl="3"/>
             <a:r>
-              <a:rPr lang="hu-HU" smtClean="0"/>
+              <a:rPr lang="hu-HU"/>
               <a:t>Negyedik szint</a:t>
             </a:r>
           </a:p>
           <a:p>
             <a:pPr lvl="4"/>
             <a:r>
-              <a:rPr lang="hu-HU" smtClean="0"/>
+              <a:rPr lang="hu-HU"/>
               <a:t>Ötödik szint</a:t>
             </a:r>
             <a:endParaRPr lang="en-US" dirty="0"/>
@@ -4241,7 +4311,7 @@
           <a:p>
             <a:pPr lvl="0"/>
             <a:r>
-              <a:rPr lang="hu-HU" smtClean="0"/>
+              <a:rPr lang="hu-HU"/>
               <a:t>Mintaszöveg szerkesztése</a:t>
             </a:r>
           </a:p>
@@ -4263,8 +4333,8 @@
           <a:lstStyle/>
           <a:p>
             <a:fld id="{42A54C80-263E-416B-A8E0-580EDEADCBDC}" type="datetimeFigureOut">
-              <a:rPr lang="en-US" dirty="0"/>
-              <a:t>4/13/2023</a:t>
+              <a:rPr lang="en-US" smtClean="0"/>
+              <a:t>4/14/2023</a:t>
             </a:fld>
             <a:endParaRPr lang="en-US" dirty="0"/>
           </a:p>
@@ -4305,7 +4375,7 @@
           <a:lstStyle/>
           <a:p>
             <a:fld id="{519954A3-9DFD-4C44-94BA-B95130A3BA1C}" type="slidenum">
-              <a:rPr lang="en-US" dirty="0"/>
+              <a:rPr lang="en-US" smtClean="0"/>
               <a:t>‹#›</a:t>
             </a:fld>
             <a:endParaRPr lang="en-US" dirty="0"/>
@@ -4313,6 +4383,11 @@
         </p:txBody>
       </p:sp>
     </p:spTree>
+    <p:extLst>
+      <p:ext uri="{BB962C8B-B14F-4D97-AF65-F5344CB8AC3E}">
+        <p14:creationId xmlns:p14="http://schemas.microsoft.com/office/powerpoint/2010/main" val="625418835"/>
+      </p:ext>
+    </p:extLst>
   </p:cSld>
   <p:clrMapOvr>
     <a:masterClrMapping/>
@@ -4364,7 +4439,7 @@
           </a:lstStyle>
           <a:p>
             <a:r>
-              <a:rPr lang="hu-HU" smtClean="0"/>
+              <a:rPr lang="hu-HU"/>
               <a:t>Mintacím szerkesztése</a:t>
             </a:r>
             <a:endParaRPr lang="en-US" dirty="0"/>
@@ -4431,7 +4506,7 @@
           </a:lstStyle>
           <a:p>
             <a:r>
-              <a:rPr lang="hu-HU" smtClean="0"/>
+              <a:rPr lang="hu-HU"/>
               <a:t>Kép beszúrásához kattintson az ikonra</a:t>
             </a:r>
             <a:endParaRPr lang="en-US" dirty="0"/>
@@ -4499,7 +4574,7 @@
           <a:p>
             <a:pPr lvl="0"/>
             <a:r>
-              <a:rPr lang="hu-HU" smtClean="0"/>
+              <a:rPr lang="hu-HU"/>
               <a:t>Mintaszöveg szerkesztése</a:t>
             </a:r>
           </a:p>
@@ -4521,9 +4596,9 @@
           <a:lstStyle/>
           <a:p>
             <a:fld id="{B61BEF0D-F0BB-DE4B-95CE-6DB70DBA9567}" type="datetimeFigureOut">
-              <a:rPr lang="en-US" dirty="0"/>
+              <a:rPr lang="en-US" smtClean="0"/>
               <a:pPr/>
-              <a:t>4/13/2023</a:t>
+              <a:t>4/14/2023</a:t>
             </a:fld>
             <a:endParaRPr lang="en-US" dirty="0"/>
           </a:p>
@@ -4564,7 +4639,7 @@
           <a:lstStyle/>
           <a:p>
             <a:fld id="{D57F1E4F-1CFF-5643-939E-217C01CDF565}" type="slidenum">
-              <a:rPr lang="en-US" dirty="0"/>
+              <a:rPr lang="en-US" smtClean="0"/>
               <a:pPr/>
               <a:t>‹#›</a:t>
             </a:fld>
@@ -4573,6 +4648,11 @@
         </p:txBody>
       </p:sp>
     </p:spTree>
+    <p:extLst>
+      <p:ext uri="{BB962C8B-B14F-4D97-AF65-F5344CB8AC3E}">
+        <p14:creationId xmlns:p14="http://schemas.microsoft.com/office/powerpoint/2010/main" val="4087334031"/>
+      </p:ext>
+    </p:extLst>
   </p:cSld>
   <p:clrMapOvr>
     <a:masterClrMapping/>
@@ -5158,7 +5238,7 @@
           <a:lstStyle/>
           <a:p>
             <a:r>
-              <a:rPr lang="hu-HU" smtClean="0"/>
+              <a:rPr lang="hu-HU"/>
               <a:t>Mintacím szerkesztése</a:t>
             </a:r>
             <a:endParaRPr lang="en-US" dirty="0"/>
@@ -5192,35 +5272,35 @@
           <a:p>
             <a:pPr lvl="0"/>
             <a:r>
-              <a:rPr lang="hu-HU" smtClean="0"/>
+              <a:rPr lang="hu-HU"/>
               <a:t>Mintaszöveg szerkesztése</a:t>
             </a:r>
           </a:p>
           <a:p>
             <a:pPr lvl="1"/>
             <a:r>
-              <a:rPr lang="hu-HU" smtClean="0"/>
+              <a:rPr lang="hu-HU"/>
               <a:t>Második szint</a:t>
             </a:r>
           </a:p>
           <a:p>
             <a:pPr lvl="2"/>
             <a:r>
-              <a:rPr lang="hu-HU" smtClean="0"/>
+              <a:rPr lang="hu-HU"/>
               <a:t>Harmadik szint</a:t>
             </a:r>
           </a:p>
           <a:p>
             <a:pPr lvl="3"/>
             <a:r>
-              <a:rPr lang="hu-HU" smtClean="0"/>
+              <a:rPr lang="hu-HU"/>
               <a:t>Negyedik szint</a:t>
             </a:r>
           </a:p>
           <a:p>
             <a:pPr lvl="4"/>
             <a:r>
-              <a:rPr lang="hu-HU" smtClean="0"/>
+              <a:rPr lang="hu-HU"/>
               <a:t>Ötödik szint</a:t>
             </a:r>
             <a:endParaRPr lang="en-US" dirty="0"/>
@@ -5261,9 +5341,9 @@
           </a:lstStyle>
           <a:p>
             <a:fld id="{B61BEF0D-F0BB-DE4B-95CE-6DB70DBA9567}" type="datetimeFigureOut">
-              <a:rPr lang="en-US" dirty="0"/>
+              <a:rPr lang="en-US" smtClean="0"/>
               <a:pPr/>
-              <a:t>4/13/2023</a:t>
+              <a:t>4/14/2023</a:t>
             </a:fld>
             <a:endParaRPr lang="en-US" dirty="0"/>
           </a:p>
@@ -5338,7 +5418,7 @@
           </a:lstStyle>
           <a:p>
             <a:fld id="{D57F1E4F-1CFF-5643-939E-217C01CDF565}" type="slidenum">
-              <a:rPr lang="en-US" dirty="0"/>
+              <a:rPr lang="en-US" smtClean="0"/>
               <a:pPr/>
               <a:t>‹#›</a:t>
             </a:fld>
@@ -5347,25 +5427,30 @@
         </p:txBody>
       </p:sp>
     </p:spTree>
+    <p:extLst>
+      <p:ext uri="{BB962C8B-B14F-4D97-AF65-F5344CB8AC3E}">
+        <p14:creationId xmlns:p14="http://schemas.microsoft.com/office/powerpoint/2010/main" val="3749009914"/>
+      </p:ext>
+    </p:extLst>
   </p:cSld>
   <p:clrMap bg1="lt1" tx1="dk1" bg2="lt2" tx2="dk2" accent1="accent1" accent2="accent2" accent3="accent3" accent4="accent4" accent5="accent5" accent6="accent6" hlink="hlink" folHlink="folHlink"/>
   <p:sldLayoutIdLst>
-    <p:sldLayoutId id="2147483649" r:id="rId1"/>
-    <p:sldLayoutId id="2147483650" r:id="rId2"/>
-    <p:sldLayoutId id="2147483651" r:id="rId3"/>
-    <p:sldLayoutId id="2147483665" r:id="rId4"/>
-    <p:sldLayoutId id="2147483653" r:id="rId5"/>
-    <p:sldLayoutId id="2147483654" r:id="rId6"/>
-    <p:sldLayoutId id="2147483655" r:id="rId7"/>
-    <p:sldLayoutId id="2147483666" r:id="rId8"/>
-    <p:sldLayoutId id="2147483657" r:id="rId9"/>
-    <p:sldLayoutId id="2147483660" r:id="rId10"/>
-    <p:sldLayoutId id="2147483661" r:id="rId11"/>
-    <p:sldLayoutId id="2147483662" r:id="rId12"/>
-    <p:sldLayoutId id="2147483663" r:id="rId13"/>
-    <p:sldLayoutId id="2147483664" r:id="rId14"/>
-    <p:sldLayoutId id="2147483667" r:id="rId15"/>
-    <p:sldLayoutId id="2147483659" r:id="rId16"/>
+    <p:sldLayoutId id="2147483718" r:id="rId1"/>
+    <p:sldLayoutId id="2147483719" r:id="rId2"/>
+    <p:sldLayoutId id="2147483720" r:id="rId3"/>
+    <p:sldLayoutId id="2147483721" r:id="rId4"/>
+    <p:sldLayoutId id="2147483722" r:id="rId5"/>
+    <p:sldLayoutId id="2147483723" r:id="rId6"/>
+    <p:sldLayoutId id="2147483724" r:id="rId7"/>
+    <p:sldLayoutId id="2147483725" r:id="rId8"/>
+    <p:sldLayoutId id="2147483726" r:id="rId9"/>
+    <p:sldLayoutId id="2147483727" r:id="rId10"/>
+    <p:sldLayoutId id="2147483728" r:id="rId11"/>
+    <p:sldLayoutId id="2147483729" r:id="rId12"/>
+    <p:sldLayoutId id="2147483730" r:id="rId13"/>
+    <p:sldLayoutId id="2147483731" r:id="rId14"/>
+    <p:sldLayoutId id="2147483732" r:id="rId15"/>
+    <p:sldLayoutId id="2147483733" r:id="rId16"/>
   </p:sldLayoutIdLst>
   <p:txStyles>
     <p:titleStyle>
@@ -5793,61 +5878,50 @@
             <p:ph type="ctrTitle"/>
           </p:nvPr>
         </p:nvSpPr>
+        <p:spPr>
+          <a:xfrm>
+            <a:off x="1507067" y="1395663"/>
+            <a:ext cx="7766936" cy="2655173"/>
+          </a:xfrm>
+        </p:spPr>
+        <p:txBody>
+          <a:bodyPr/>
+          <a:lstStyle/>
+          <a:p>
+            <a:r>
+              <a:rPr lang="hu-HU" dirty="0">
+                <a:solidFill>
+                  <a:srgbClr val="55BE3B"/>
+                </a:solidFill>
+              </a:rPr>
+              <a:t>ShineGym&amp;Fit edzésterv és étrendösszeállító alkalmazás</a:t>
+            </a:r>
+          </a:p>
+        </p:txBody>
+      </p:sp>
+      <p:sp>
+        <p:nvSpPr>
+          <p:cNvPr id="3" name="Alcím 2"/>
+          <p:cNvSpPr>
+            <a:spLocks noGrp="1"/>
+          </p:cNvSpPr>
+          <p:nvPr>
+            <p:ph type="subTitle" idx="1"/>
+          </p:nvPr>
+        </p:nvSpPr>
         <p:spPr/>
         <p:txBody>
           <a:bodyPr/>
           <a:lstStyle/>
           <a:p>
             <a:r>
-              <a:rPr lang="hu-HU" dirty="0" smtClean="0"/>
-              <a:t>ShineGym&amp;Fit edzésterv és étrendösszeállító webalkalmazás</a:t>
-            </a:r>
-            <a:endParaRPr lang="hu-HU" dirty="0"/>
-          </a:p>
-        </p:txBody>
-      </p:sp>
-      <p:sp>
-        <p:nvSpPr>
-          <p:cNvPr id="3" name="Alcím 2"/>
-          <p:cNvSpPr>
-            <a:spLocks noGrp="1"/>
-          </p:cNvSpPr>
-          <p:nvPr>
-            <p:ph type="subTitle" idx="1"/>
-          </p:nvPr>
-        </p:nvSpPr>
-        <p:spPr/>
-        <p:txBody>
-          <a:bodyPr/>
-          <a:lstStyle/>
-          <a:p>
-            <a:r>
-              <a:rPr lang="hu-HU" dirty="0" smtClean="0">
-                <a:solidFill>
-                  <a:schemeClr val="tx1"/>
-                </a:solidFill>
-                <a:effectLst>
-                  <a:outerShdw blurRad="38100" dist="38100" dir="2700000" algn="tl">
-                    <a:srgbClr val="000000">
-                      <a:alpha val="43137"/>
-                    </a:srgbClr>
-                  </a:outerShdw>
-                </a:effectLst>
+              <a:rPr lang="hu-HU" dirty="0">
+                <a:solidFill>
+                  <a:srgbClr val="080B0C"/>
+                </a:solidFill>
               </a:rPr>
               <a:t>Készítette: Szabó Richárd és Híves Sebastian</a:t>
             </a:r>
-            <a:endParaRPr lang="hu-HU" dirty="0">
-              <a:solidFill>
-                <a:schemeClr val="tx1"/>
-              </a:solidFill>
-              <a:effectLst>
-                <a:outerShdw blurRad="38100" dist="38100" dir="2700000" algn="tl">
-                  <a:srgbClr val="000000">
-                    <a:alpha val="43137"/>
-                  </a:srgbClr>
-                </a:outerShdw>
-              </a:effectLst>
-            </a:endParaRPr>
           </a:p>
         </p:txBody>
       </p:sp>
@@ -5897,10 +5971,13 @@
           <a:lstStyle/>
           <a:p>
             <a:r>
-              <a:rPr lang="hu-HU" dirty="0" smtClean="0"/>
+              <a:rPr lang="hu-HU" dirty="0">
+                <a:solidFill>
+                  <a:srgbClr val="55BE3B"/>
+                </a:solidFill>
+              </a:rPr>
               <a:t>A kliens edzésterve</a:t>
             </a:r>
-            <a:endParaRPr lang="hu-HU" dirty="0"/>
           </a:p>
         </p:txBody>
       </p:sp>
@@ -5928,9 +6005,30 @@
         </p:blipFill>
         <p:spPr>
           <a:xfrm>
-            <a:off x="1138202" y="1794828"/>
-            <a:ext cx="7674932" cy="3881437"/>
+            <a:off x="548654" y="1488282"/>
+            <a:ext cx="8643160" cy="4371098"/>
           </a:xfrm>
+          <a:ln>
+            <a:noFill/>
+          </a:ln>
+          <a:effectLst>
+            <a:outerShdw blurRad="190500" dist="228600" dir="2700000" algn="ctr">
+              <a:srgbClr val="000000">
+                <a:alpha val="30000"/>
+              </a:srgbClr>
+            </a:outerShdw>
+          </a:effectLst>
+          <a:scene3d>
+            <a:camera prst="orthographicFront">
+              <a:rot lat="0" lon="0" rev="0"/>
+            </a:camera>
+            <a:lightRig rig="glow" dir="t">
+              <a:rot lat="0" lon="0" rev="4800000"/>
+            </a:lightRig>
+          </a:scene3d>
+          <a:sp3d prstMaterial="matte">
+            <a:bevelT w="127000" h="63500"/>
+          </a:sp3d>
         </p:spPr>
       </p:pic>
     </p:spTree>
@@ -5979,10 +6077,13 @@
           <a:lstStyle/>
           <a:p>
             <a:r>
-              <a:rPr lang="hu-HU" dirty="0" smtClean="0"/>
+              <a:rPr lang="hu-HU" dirty="0">
+                <a:solidFill>
+                  <a:srgbClr val="55BE3B"/>
+                </a:solidFill>
+              </a:rPr>
               <a:t>Chat</a:t>
             </a:r>
-            <a:endParaRPr lang="hu-HU" dirty="0"/>
           </a:p>
         </p:txBody>
       </p:sp>
@@ -6010,9 +6111,30 @@
         </p:blipFill>
         <p:spPr>
           <a:xfrm>
-            <a:off x="1645749" y="1636887"/>
-            <a:ext cx="6659838" cy="3881437"/>
+            <a:off x="677334" y="1398067"/>
+            <a:ext cx="8322287" cy="4850333"/>
           </a:xfrm>
+          <a:ln>
+            <a:noFill/>
+          </a:ln>
+          <a:effectLst>
+            <a:outerShdw blurRad="190500" dist="228600" dir="2700000" algn="ctr">
+              <a:srgbClr val="000000">
+                <a:alpha val="30000"/>
+              </a:srgbClr>
+            </a:outerShdw>
+          </a:effectLst>
+          <a:scene3d>
+            <a:camera prst="orthographicFront">
+              <a:rot lat="0" lon="0" rev="0"/>
+            </a:camera>
+            <a:lightRig rig="glow" dir="t">
+              <a:rot lat="0" lon="0" rev="4800000"/>
+            </a:lightRig>
+          </a:scene3d>
+          <a:sp3d prstMaterial="matte">
+            <a:bevelT w="127000" h="63500"/>
+          </a:sp3d>
         </p:spPr>
       </p:pic>
     </p:spTree>
@@ -6061,40 +6183,64 @@
           <a:lstStyle/>
           <a:p>
             <a:r>
-              <a:rPr lang="hu-HU" dirty="0" smtClean="0"/>
-              <a:t>Kliensek/Edzők kezelése</a:t>
-            </a:r>
-            <a:endParaRPr lang="hu-HU" dirty="0"/>
+              <a:rPr lang="hu-HU" dirty="0">
+                <a:solidFill>
+                  <a:srgbClr val="55BE3B"/>
+                </a:solidFill>
+              </a:rPr>
+              <a:t>Edzők/Kliensek kezelése</a:t>
+            </a:r>
           </a:p>
         </p:txBody>
       </p:sp>
       <p:pic>
         <p:nvPicPr>
-          <p:cNvPr id="4" name="Tartalom helye 3"/>
-          <p:cNvPicPr>
-            <a:picLocks noGrp="1" noChangeAspect="1"/>
-          </p:cNvPicPr>
-          <p:nvPr>
-            <p:ph idx="1"/>
-          </p:nvPr>
-        </p:nvPicPr>
-        <p:blipFill>
-          <a:blip r:embed="rId2">
+          <p:cNvPr id="7" name="Kép 6">
             <a:extLst>
-              <a:ext uri="{28A0092B-C50C-407E-A947-70E740481C1C}">
-                <a14:useLocalDpi xmlns:a14="http://schemas.microsoft.com/office/drawing/2010/main" val="0"/>
+              <a:ext uri="{FF2B5EF4-FFF2-40B4-BE49-F238E27FC236}">
+                <a16:creationId xmlns:a16="http://schemas.microsoft.com/office/drawing/2014/main" id="{6ABEF24F-94C0-54F5-061F-87200C9931F9}"/>
               </a:ext>
             </a:extLst>
-          </a:blip>
-          <a:stretch>
-            <a:fillRect/>
-          </a:stretch>
+          </p:cNvPr>
+          <p:cNvPicPr>
+            <a:picLocks noChangeAspect="1"/>
+          </p:cNvPicPr>
+          <p:nvPr/>
+        </p:nvPicPr>
+        <p:blipFill rotWithShape="1">
+          <a:blip r:embed="rId2"/>
+          <a:srcRect r="519"/>
+          <a:stretch/>
         </p:blipFill>
         <p:spPr>
           <a:xfrm>
-            <a:off x="1354502" y="1678450"/>
-            <a:ext cx="7242331" cy="3881437"/>
+            <a:off x="677334" y="1494134"/>
+            <a:ext cx="8262882" cy="4317119"/>
           </a:xfrm>
+          <a:prstGeom prst="rect">
+            <a:avLst/>
+          </a:prstGeom>
+          <a:ln>
+            <a:noFill/>
+          </a:ln>
+          <a:effectLst>
+            <a:outerShdw blurRad="190500" dist="228600" dir="2700000" algn="ctr">
+              <a:srgbClr val="000000">
+                <a:alpha val="30000"/>
+              </a:srgbClr>
+            </a:outerShdw>
+          </a:effectLst>
+          <a:scene3d>
+            <a:camera prst="orthographicFront">
+              <a:rot lat="0" lon="0" rev="0"/>
+            </a:camera>
+            <a:lightRig rig="glow" dir="t">
+              <a:rot lat="0" lon="0" rev="4800000"/>
+            </a:lightRig>
+          </a:scene3d>
+          <a:sp3d prstMaterial="matte">
+            <a:bevelT w="127000" h="63500"/>
+          </a:sp3d>
         </p:spPr>
       </p:pic>
     </p:spTree>
@@ -6148,40 +6294,116 @@
           <a:lstStyle/>
           <a:p>
             <a:r>
-              <a:rPr lang="hu-HU" dirty="0" smtClean="0"/>
+              <a:rPr lang="hu-HU" dirty="0">
+                <a:solidFill>
+                  <a:srgbClr val="55BE3B"/>
+                </a:solidFill>
+              </a:rPr>
               <a:t>Főoldal</a:t>
             </a:r>
-            <a:endParaRPr lang="hu-HU" dirty="0"/>
           </a:p>
         </p:txBody>
       </p:sp>
       <p:pic>
         <p:nvPicPr>
-          <p:cNvPr id="4" name="Tartalom helye 3"/>
+          <p:cNvPr id="13" name="Kép 12">
+            <a:extLst>
+              <a:ext uri="{FF2B5EF4-FFF2-40B4-BE49-F238E27FC236}">
+                <a16:creationId xmlns:a16="http://schemas.microsoft.com/office/drawing/2014/main" id="{EE22FDF4-3B51-795D-CEE7-0427CBF5D5A7}"/>
+              </a:ext>
+            </a:extLst>
+          </p:cNvPr>
           <p:cNvPicPr>
-            <a:picLocks noGrp="1" noChangeAspect="1"/>
+            <a:picLocks noChangeAspect="1"/>
           </p:cNvPicPr>
-          <p:nvPr>
-            <p:ph idx="1"/>
-          </p:nvPr>
+          <p:nvPr/>
         </p:nvPicPr>
         <p:blipFill>
-          <a:blip r:embed="rId2">
-            <a:extLst>
-              <a:ext uri="{28A0092B-C50C-407E-A947-70E740481C1C}">
-                <a14:useLocalDpi xmlns:a14="http://schemas.microsoft.com/office/drawing/2010/main" val="0"/>
-              </a:ext>
-            </a:extLst>
-          </a:blip>
+          <a:blip r:embed="rId2"/>
           <a:stretch>
             <a:fillRect/>
           </a:stretch>
         </p:blipFill>
         <p:spPr>
-          <a:xfrm>
-            <a:off x="2635133" y="1186872"/>
-            <a:ext cx="5228706" cy="5452016"/>
+          <a:xfrm rot="21149068">
+            <a:off x="506215" y="908800"/>
+            <a:ext cx="5614147" cy="2909771"/>
           </a:xfrm>
+          <a:prstGeom prst="rect">
+            <a:avLst/>
+          </a:prstGeom>
+          <a:ln>
+            <a:noFill/>
+          </a:ln>
+          <a:effectLst>
+            <a:outerShdw blurRad="149987" dist="250190" dir="8460000" algn="ctr">
+              <a:srgbClr val="000000">
+                <a:alpha val="28000"/>
+              </a:srgbClr>
+            </a:outerShdw>
+          </a:effectLst>
+          <a:scene3d>
+            <a:camera prst="orthographicFront">
+              <a:rot lat="0" lon="0" rev="0"/>
+            </a:camera>
+            <a:lightRig rig="contrasting" dir="t">
+              <a:rot lat="0" lon="0" rev="1500000"/>
+            </a:lightRig>
+          </a:scene3d>
+          <a:sp3d prstMaterial="metal">
+            <a:bevelT w="88900" h="88900"/>
+          </a:sp3d>
+        </p:spPr>
+      </p:pic>
+      <p:pic>
+        <p:nvPicPr>
+          <p:cNvPr id="15" name="Kép 14">
+            <a:extLst>
+              <a:ext uri="{FF2B5EF4-FFF2-40B4-BE49-F238E27FC236}">
+                <a16:creationId xmlns:a16="http://schemas.microsoft.com/office/drawing/2014/main" id="{6C0E4890-673A-0D2A-13F7-91E7C562C5B3}"/>
+              </a:ext>
+            </a:extLst>
+          </p:cNvPr>
+          <p:cNvPicPr>
+            <a:picLocks noChangeAspect="1"/>
+          </p:cNvPicPr>
+          <p:nvPr/>
+        </p:nvPicPr>
+        <p:blipFill>
+          <a:blip r:embed="rId3"/>
+          <a:stretch>
+            <a:fillRect/>
+          </a:stretch>
+        </p:blipFill>
+        <p:spPr>
+          <a:xfrm rot="21204102">
+            <a:off x="4541961" y="3523795"/>
+            <a:ext cx="5614549" cy="2909771"/>
+          </a:xfrm>
+          <a:prstGeom prst="rect">
+            <a:avLst/>
+          </a:prstGeom>
+          <a:ln>
+            <a:noFill/>
+          </a:ln>
+          <a:effectLst>
+            <a:outerShdw blurRad="190500" dist="228600" dir="2700000" algn="ctr">
+              <a:srgbClr val="000000">
+                <a:alpha val="30000"/>
+              </a:srgbClr>
+            </a:outerShdw>
+          </a:effectLst>
+          <a:scene3d>
+            <a:camera prst="orthographicFront">
+              <a:rot lat="0" lon="0" rev="0"/>
+            </a:camera>
+            <a:lightRig rig="glow" dir="t">
+              <a:rot lat="0" lon="0" rev="4800000"/>
+            </a:lightRig>
+          </a:scene3d>
+          <a:sp3d prstMaterial="matte">
+            <a:bevelT w="127000" h="63500"/>
+          </a:sp3d>
         </p:spPr>
       </p:pic>
     </p:spTree>
@@ -6230,40 +6452,65 @@
           <a:lstStyle/>
           <a:p>
             <a:r>
-              <a:rPr lang="hu-HU" dirty="0" smtClean="0"/>
+              <a:rPr lang="hu-HU" dirty="0">
+                <a:solidFill>
+                  <a:srgbClr val="55BE3B"/>
+                </a:solidFill>
+              </a:rPr>
               <a:t>Regisztráció</a:t>
             </a:r>
-            <a:endParaRPr lang="hu-HU" dirty="0"/>
           </a:p>
         </p:txBody>
       </p:sp>
       <p:pic>
         <p:nvPicPr>
-          <p:cNvPr id="4" name="Tartalom helye 3"/>
+          <p:cNvPr id="5" name="Kép 4">
+            <a:extLst>
+              <a:ext uri="{FF2B5EF4-FFF2-40B4-BE49-F238E27FC236}">
+                <a16:creationId xmlns:a16="http://schemas.microsoft.com/office/drawing/2014/main" id="{7256658E-109C-B003-A852-61549DE26624}"/>
+              </a:ext>
+            </a:extLst>
+          </p:cNvPr>
           <p:cNvPicPr>
-            <a:picLocks noGrp="1" noChangeAspect="1"/>
+            <a:picLocks noChangeAspect="1"/>
           </p:cNvPicPr>
-          <p:nvPr>
-            <p:ph idx="1"/>
-          </p:nvPr>
+          <p:nvPr/>
         </p:nvPicPr>
         <p:blipFill>
-          <a:blip r:embed="rId2">
-            <a:extLst>
-              <a:ext uri="{28A0092B-C50C-407E-A947-70E740481C1C}">
-                <a14:useLocalDpi xmlns:a14="http://schemas.microsoft.com/office/drawing/2010/main" val="0"/>
-              </a:ext>
-            </a:extLst>
-          </a:blip>
+          <a:blip r:embed="rId2"/>
           <a:stretch>
             <a:fillRect/>
           </a:stretch>
         </p:blipFill>
         <p:spPr>
           <a:xfrm>
-            <a:off x="1490000" y="1653512"/>
-            <a:ext cx="6971336" cy="3881437"/>
+            <a:off x="677334" y="1368100"/>
+            <a:ext cx="9421540" cy="5144218"/>
           </a:xfrm>
+          <a:prstGeom prst="rect">
+            <a:avLst/>
+          </a:prstGeom>
+          <a:ln>
+            <a:noFill/>
+          </a:ln>
+          <a:effectLst>
+            <a:outerShdw blurRad="149987" dist="250190" dir="8460000" algn="ctr">
+              <a:srgbClr val="000000">
+                <a:alpha val="28000"/>
+              </a:srgbClr>
+            </a:outerShdw>
+          </a:effectLst>
+          <a:scene3d>
+            <a:camera prst="orthographicFront">
+              <a:rot lat="0" lon="0" rev="0"/>
+            </a:camera>
+            <a:lightRig rig="contrasting" dir="t">
+              <a:rot lat="0" lon="0" rev="1500000"/>
+            </a:lightRig>
+          </a:scene3d>
+          <a:sp3d prstMaterial="metal">
+            <a:bevelT w="88900" h="88900"/>
+          </a:sp3d>
         </p:spPr>
       </p:pic>
     </p:spTree>
@@ -6312,10 +6559,13 @@
           <a:lstStyle/>
           <a:p>
             <a:r>
-              <a:rPr lang="hu-HU" dirty="0" smtClean="0"/>
+              <a:rPr lang="hu-HU" dirty="0">
+                <a:solidFill>
+                  <a:srgbClr val="55BE3B"/>
+                </a:solidFill>
+              </a:rPr>
               <a:t>Bejelentkezés</a:t>
             </a:r>
-            <a:endParaRPr lang="hu-HU" dirty="0"/>
           </a:p>
         </p:txBody>
       </p:sp>
@@ -6346,6 +6596,27 @@
             <a:off x="889945" y="1703388"/>
             <a:ext cx="8171446" cy="3881437"/>
           </a:xfrm>
+          <a:ln>
+            <a:noFill/>
+          </a:ln>
+          <a:effectLst>
+            <a:outerShdw blurRad="190500" dist="228600" dir="2700000" algn="ctr">
+              <a:srgbClr val="000000">
+                <a:alpha val="30000"/>
+              </a:srgbClr>
+            </a:outerShdw>
+          </a:effectLst>
+          <a:scene3d>
+            <a:camera prst="orthographicFront">
+              <a:rot lat="0" lon="0" rev="0"/>
+            </a:camera>
+            <a:lightRig rig="glow" dir="t">
+              <a:rot lat="0" lon="0" rev="4800000"/>
+            </a:lightRig>
+          </a:scene3d>
+          <a:sp3d prstMaterial="matte">
+            <a:bevelT w="127000" h="63500"/>
+          </a:sp3d>
         </p:spPr>
       </p:pic>
     </p:spTree>
@@ -6394,46 +6665,71 @@
           <a:lstStyle/>
           <a:p>
             <a:r>
-              <a:rPr lang="hu-HU" dirty="0" smtClean="0"/>
-              <a:t>Saját profil adatai</a:t>
-            </a:r>
-            <a:endParaRPr lang="hu-HU" dirty="0"/>
+              <a:rPr lang="hu-HU" dirty="0">
+                <a:solidFill>
+                  <a:srgbClr val="55BE3B"/>
+                </a:solidFill>
+              </a:rPr>
+              <a:t>Kezdőlap</a:t>
+            </a:r>
           </a:p>
         </p:txBody>
       </p:sp>
       <p:pic>
         <p:nvPicPr>
-          <p:cNvPr id="4" name="Tartalom helye 3"/>
+          <p:cNvPr id="7" name="Kép 6">
+            <a:extLst>
+              <a:ext uri="{FF2B5EF4-FFF2-40B4-BE49-F238E27FC236}">
+                <a16:creationId xmlns:a16="http://schemas.microsoft.com/office/drawing/2014/main" id="{A5345A9A-133E-E292-C7FE-6EC8148D809F}"/>
+              </a:ext>
+            </a:extLst>
+          </p:cNvPr>
           <p:cNvPicPr>
-            <a:picLocks noGrp="1" noChangeAspect="1"/>
+            <a:picLocks noChangeAspect="1"/>
           </p:cNvPicPr>
-          <p:nvPr>
-            <p:ph idx="1"/>
-          </p:nvPr>
+          <p:nvPr/>
         </p:nvPicPr>
         <p:blipFill>
-          <a:blip r:embed="rId2">
-            <a:extLst>
-              <a:ext uri="{28A0092B-C50C-407E-A947-70E740481C1C}">
-                <a14:useLocalDpi xmlns:a14="http://schemas.microsoft.com/office/drawing/2010/main" val="0"/>
-              </a:ext>
-            </a:extLst>
-          </a:blip>
+          <a:blip r:embed="rId2"/>
           <a:stretch>
             <a:fillRect/>
           </a:stretch>
         </p:blipFill>
         <p:spPr>
           <a:xfrm>
-            <a:off x="1354502" y="1711701"/>
-            <a:ext cx="7242331" cy="3881437"/>
+            <a:off x="677333" y="1494133"/>
+            <a:ext cx="8932685" cy="4654004"/>
           </a:xfrm>
+          <a:prstGeom prst="rect">
+            <a:avLst/>
+          </a:prstGeom>
+          <a:ln>
+            <a:noFill/>
+          </a:ln>
+          <a:effectLst>
+            <a:outerShdw blurRad="190500" dist="228600" dir="2700000" algn="ctr">
+              <a:srgbClr val="000000">
+                <a:alpha val="30000"/>
+              </a:srgbClr>
+            </a:outerShdw>
+          </a:effectLst>
+          <a:scene3d>
+            <a:camera prst="orthographicFront">
+              <a:rot lat="0" lon="0" rev="0"/>
+            </a:camera>
+            <a:lightRig rig="glow" dir="t">
+              <a:rot lat="0" lon="0" rev="4800000"/>
+            </a:lightRig>
+          </a:scene3d>
+          <a:sp3d prstMaterial="matte">
+            <a:bevelT w="127000" h="63500"/>
+          </a:sp3d>
         </p:spPr>
       </p:pic>
     </p:spTree>
     <p:extLst>
       <p:ext uri="{BB962C8B-B14F-4D97-AF65-F5344CB8AC3E}">
-        <p14:creationId xmlns:p14="http://schemas.microsoft.com/office/powerpoint/2010/main" val="4187611990"/>
+        <p14:creationId xmlns:p14="http://schemas.microsoft.com/office/powerpoint/2010/main" val="2790274322"/>
       </p:ext>
     </p:extLst>
   </p:cSld>
@@ -6462,7 +6758,13 @@
       </p:grpSpPr>
       <p:sp>
         <p:nvSpPr>
-          <p:cNvPr id="2" name="Cím 1"/>
+          <p:cNvPr id="2" name="Cím 1">
+            <a:extLst>
+              <a:ext uri="{FF2B5EF4-FFF2-40B4-BE49-F238E27FC236}">
+                <a16:creationId xmlns:a16="http://schemas.microsoft.com/office/drawing/2014/main" id="{0E174FEC-DE30-DA90-10B8-E0DD830E8D91}"/>
+              </a:ext>
+            </a:extLst>
+          </p:cNvPr>
           <p:cNvSpPr>
             <a:spLocks noGrp="1"/>
           </p:cNvSpPr>
@@ -6476,46 +6778,71 @@
           <a:lstStyle/>
           <a:p>
             <a:r>
-              <a:rPr lang="hu-HU" dirty="0" smtClean="0"/>
-              <a:t>Edző/Kliens profil adatai</a:t>
-            </a:r>
-            <a:endParaRPr lang="hu-HU" dirty="0"/>
+              <a:rPr lang="hu-HU" dirty="0">
+                <a:solidFill>
+                  <a:srgbClr val="55BE3B"/>
+                </a:solidFill>
+              </a:rPr>
+              <a:t>Feljegyzések</a:t>
+            </a:r>
           </a:p>
         </p:txBody>
       </p:sp>
       <p:pic>
         <p:nvPicPr>
-          <p:cNvPr id="4" name="Tartalom helye 3"/>
+          <p:cNvPr id="5" name="Kép 4">
+            <a:extLst>
+              <a:ext uri="{FF2B5EF4-FFF2-40B4-BE49-F238E27FC236}">
+                <a16:creationId xmlns:a16="http://schemas.microsoft.com/office/drawing/2014/main" id="{AAC22452-C37C-B230-DD8C-230D0383A342}"/>
+              </a:ext>
+            </a:extLst>
+          </p:cNvPr>
           <p:cNvPicPr>
-            <a:picLocks noGrp="1" noChangeAspect="1"/>
+            <a:picLocks noChangeAspect="1"/>
           </p:cNvPicPr>
-          <p:nvPr>
-            <p:ph idx="1"/>
-          </p:nvPr>
+          <p:nvPr/>
         </p:nvPicPr>
         <p:blipFill>
-          <a:blip r:embed="rId2">
-            <a:extLst>
-              <a:ext uri="{28A0092B-C50C-407E-A947-70E740481C1C}">
-                <a14:useLocalDpi xmlns:a14="http://schemas.microsoft.com/office/drawing/2010/main" val="0"/>
-              </a:ext>
-            </a:extLst>
-          </a:blip>
+          <a:blip r:embed="rId2"/>
           <a:stretch>
             <a:fillRect/>
           </a:stretch>
         </p:blipFill>
         <p:spPr>
           <a:xfrm>
-            <a:off x="1263534" y="1786515"/>
-            <a:ext cx="7549599" cy="3881437"/>
+            <a:off x="677334" y="1409881"/>
+            <a:ext cx="8875461" cy="4365278"/>
           </a:xfrm>
+          <a:prstGeom prst="rect">
+            <a:avLst/>
+          </a:prstGeom>
+          <a:ln>
+            <a:noFill/>
+          </a:ln>
+          <a:effectLst>
+            <a:outerShdw blurRad="190500" dist="228600" dir="2700000" algn="ctr">
+              <a:srgbClr val="000000">
+                <a:alpha val="30000"/>
+              </a:srgbClr>
+            </a:outerShdw>
+          </a:effectLst>
+          <a:scene3d>
+            <a:camera prst="orthographicFront">
+              <a:rot lat="0" lon="0" rev="0"/>
+            </a:camera>
+            <a:lightRig rig="glow" dir="t">
+              <a:rot lat="0" lon="0" rev="4800000"/>
+            </a:lightRig>
+          </a:scene3d>
+          <a:sp3d prstMaterial="matte">
+            <a:bevelT w="127000" h="63500"/>
+          </a:sp3d>
         </p:spPr>
       </p:pic>
     </p:spTree>
     <p:extLst>
       <p:ext uri="{BB962C8B-B14F-4D97-AF65-F5344CB8AC3E}">
-        <p14:creationId xmlns:p14="http://schemas.microsoft.com/office/powerpoint/2010/main" val="1744131174"/>
+        <p14:creationId xmlns:p14="http://schemas.microsoft.com/office/powerpoint/2010/main" val="1151642252"/>
       </p:ext>
     </p:extLst>
   </p:cSld>
@@ -6558,46 +6885,171 @@
           <a:lstStyle/>
           <a:p>
             <a:r>
-              <a:rPr lang="hu-HU" dirty="0" smtClean="0"/>
-              <a:t>Kezdőlap</a:t>
-            </a:r>
-            <a:endParaRPr lang="hu-HU" dirty="0"/>
+              <a:rPr lang="hu-HU" dirty="0">
+                <a:solidFill>
+                  <a:srgbClr val="55BE3B"/>
+                </a:solidFill>
+              </a:rPr>
+              <a:t>Profil adatlapok</a:t>
+            </a:r>
           </a:p>
         </p:txBody>
       </p:sp>
       <p:pic>
         <p:nvPicPr>
-          <p:cNvPr id="6" name="Tartalom helye 5"/>
+          <p:cNvPr id="5" name="Kép 4">
+            <a:extLst>
+              <a:ext uri="{FF2B5EF4-FFF2-40B4-BE49-F238E27FC236}">
+                <a16:creationId xmlns:a16="http://schemas.microsoft.com/office/drawing/2014/main" id="{CA560B59-8302-EDC9-44D1-999F52242186}"/>
+              </a:ext>
+            </a:extLst>
+          </p:cNvPr>
           <p:cNvPicPr>
-            <a:picLocks noGrp="1" noChangeAspect="1"/>
+            <a:picLocks noChangeAspect="1"/>
           </p:cNvPicPr>
-          <p:nvPr>
-            <p:ph idx="1"/>
-          </p:nvPr>
+          <p:nvPr/>
         </p:nvPicPr>
         <p:blipFill>
-          <a:blip r:embed="rId2">
-            <a:extLst>
-              <a:ext uri="{28A0092B-C50C-407E-A947-70E740481C1C}">
-                <a14:useLocalDpi xmlns:a14="http://schemas.microsoft.com/office/drawing/2010/main" val="0"/>
-              </a:ext>
-            </a:extLst>
-          </a:blip>
+          <a:blip r:embed="rId2"/>
           <a:stretch>
             <a:fillRect/>
           </a:stretch>
         </p:blipFill>
         <p:spPr>
           <a:xfrm>
-            <a:off x="1354502" y="1722582"/>
-            <a:ext cx="7242331" cy="3881437"/>
+            <a:off x="3830054" y="3982846"/>
+            <a:ext cx="7833965" cy="2619855"/>
           </a:xfrm>
+          <a:prstGeom prst="rect">
+            <a:avLst/>
+          </a:prstGeom>
+          <a:ln>
+            <a:noFill/>
+          </a:ln>
+          <a:effectLst>
+            <a:outerShdw blurRad="107950" dist="12700" dir="5400000" algn="ctr">
+              <a:srgbClr val="000000"/>
+            </a:outerShdw>
+          </a:effectLst>
+          <a:scene3d>
+            <a:camera prst="orthographicFront">
+              <a:rot lat="0" lon="0" rev="0"/>
+            </a:camera>
+            <a:lightRig rig="soft" dir="t">
+              <a:rot lat="0" lon="0" rev="0"/>
+            </a:lightRig>
+          </a:scene3d>
+          <a:sp3d contourW="44450" prstMaterial="matte">
+            <a:bevelT w="63500" h="63500" prst="artDeco"/>
+            <a:contourClr>
+              <a:srgbClr val="FFFFFF"/>
+            </a:contourClr>
+          </a:sp3d>
         </p:spPr>
       </p:pic>
+      <p:sp>
+        <p:nvSpPr>
+          <p:cNvPr id="6" name="Szövegdoboz 5">
+            <a:extLst>
+              <a:ext uri="{FF2B5EF4-FFF2-40B4-BE49-F238E27FC236}">
+                <a16:creationId xmlns:a16="http://schemas.microsoft.com/office/drawing/2014/main" id="{F4997361-CF1C-B79F-3550-23D63621B078}"/>
+              </a:ext>
+            </a:extLst>
+          </p:cNvPr>
+          <p:cNvSpPr txBox="1"/>
+          <p:nvPr/>
+        </p:nvSpPr>
+        <p:spPr>
+          <a:xfrm>
+            <a:off x="10123979" y="6233369"/>
+            <a:ext cx="1540040" cy="369332"/>
+          </a:xfrm>
+          <a:prstGeom prst="rect">
+            <a:avLst/>
+          </a:prstGeom>
+          <a:noFill/>
+        </p:spPr>
+        <p:txBody>
+          <a:bodyPr wrap="square" rtlCol="0">
+            <a:spAutoFit/>
+          </a:bodyPr>
+          <a:lstStyle/>
+          <a:p>
+            <a:r>
+              <a:rPr lang="hu-HU" dirty="0"/>
+              <a:t>Idegen profil</a:t>
+            </a:r>
+          </a:p>
+        </p:txBody>
+      </p:sp>
+      <p:pic>
+        <p:nvPicPr>
+          <p:cNvPr id="13" name="Kép 12">
+            <a:extLst>
+              <a:ext uri="{FF2B5EF4-FFF2-40B4-BE49-F238E27FC236}">
+                <a16:creationId xmlns:a16="http://schemas.microsoft.com/office/drawing/2014/main" id="{4571F825-8B0E-C503-9E4F-E385D1094594}"/>
+              </a:ext>
+            </a:extLst>
+          </p:cNvPr>
+          <p:cNvPicPr>
+            <a:picLocks noChangeAspect="1"/>
+          </p:cNvPicPr>
+          <p:nvPr/>
+        </p:nvPicPr>
+        <p:blipFill rotWithShape="1">
+          <a:blip r:embed="rId3"/>
+          <a:srcRect r="329"/>
+          <a:stretch/>
+        </p:blipFill>
+        <p:spPr>
+          <a:xfrm>
+            <a:off x="677335" y="1231930"/>
+            <a:ext cx="9200592" cy="2705478"/>
+          </a:xfrm>
+          <a:prstGeom prst="rect">
+            <a:avLst/>
+          </a:prstGeom>
+        </p:spPr>
+      </p:pic>
+      <p:sp>
+        <p:nvSpPr>
+          <p:cNvPr id="7" name="Szövegdoboz 6">
+            <a:extLst>
+              <a:ext uri="{FF2B5EF4-FFF2-40B4-BE49-F238E27FC236}">
+                <a16:creationId xmlns:a16="http://schemas.microsoft.com/office/drawing/2014/main" id="{181A38C4-82A1-B606-75E0-6988814A6BB5}"/>
+              </a:ext>
+            </a:extLst>
+          </p:cNvPr>
+          <p:cNvSpPr txBox="1"/>
+          <p:nvPr/>
+        </p:nvSpPr>
+        <p:spPr>
+          <a:xfrm>
+            <a:off x="8583939" y="3568076"/>
+            <a:ext cx="1540040" cy="369332"/>
+          </a:xfrm>
+          <a:prstGeom prst="rect">
+            <a:avLst/>
+          </a:prstGeom>
+          <a:noFill/>
+        </p:spPr>
+        <p:txBody>
+          <a:bodyPr wrap="square" rtlCol="0">
+            <a:spAutoFit/>
+          </a:bodyPr>
+          <a:lstStyle/>
+          <a:p>
+            <a:r>
+              <a:rPr lang="hu-HU" dirty="0"/>
+              <a:t>Saját profil</a:t>
+            </a:r>
+          </a:p>
+        </p:txBody>
+      </p:sp>
     </p:spTree>
     <p:extLst>
       <p:ext uri="{BB962C8B-B14F-4D97-AF65-F5344CB8AC3E}">
-        <p14:creationId xmlns:p14="http://schemas.microsoft.com/office/powerpoint/2010/main" val="2790274322"/>
+        <p14:creationId xmlns:p14="http://schemas.microsoft.com/office/powerpoint/2010/main" val="4187611990"/>
       </p:ext>
     </p:extLst>
   </p:cSld>
@@ -6640,40 +7092,65 @@
           <a:lstStyle/>
           <a:p>
             <a:r>
-              <a:rPr lang="hu-HU" dirty="0" smtClean="0"/>
+              <a:rPr lang="hu-HU" dirty="0">
+                <a:solidFill>
+                  <a:srgbClr val="55BE3B"/>
+                </a:solidFill>
+              </a:rPr>
               <a:t>Edzéstervek</a:t>
             </a:r>
-            <a:endParaRPr lang="hu-HU" dirty="0"/>
           </a:p>
         </p:txBody>
       </p:sp>
       <p:pic>
         <p:nvPicPr>
-          <p:cNvPr id="4" name="Tartalom helye 3"/>
+          <p:cNvPr id="7" name="Kép 6">
+            <a:extLst>
+              <a:ext uri="{FF2B5EF4-FFF2-40B4-BE49-F238E27FC236}">
+                <a16:creationId xmlns:a16="http://schemas.microsoft.com/office/drawing/2014/main" id="{554503FE-C16B-482F-AEA6-984BB8FFA5A6}"/>
+              </a:ext>
+            </a:extLst>
+          </p:cNvPr>
           <p:cNvPicPr>
-            <a:picLocks noGrp="1" noChangeAspect="1"/>
+            <a:picLocks noChangeAspect="1"/>
           </p:cNvPicPr>
-          <p:nvPr>
-            <p:ph idx="1"/>
-          </p:nvPr>
+          <p:nvPr/>
         </p:nvPicPr>
         <p:blipFill>
-          <a:blip r:embed="rId2">
-            <a:extLst>
-              <a:ext uri="{28A0092B-C50C-407E-A947-70E740481C1C}">
-                <a14:useLocalDpi xmlns:a14="http://schemas.microsoft.com/office/drawing/2010/main" val="0"/>
-              </a:ext>
-            </a:extLst>
-          </a:blip>
+          <a:blip r:embed="rId2"/>
           <a:stretch>
             <a:fillRect/>
           </a:stretch>
         </p:blipFill>
         <p:spPr>
           <a:xfrm>
-            <a:off x="1354502" y="1686763"/>
-            <a:ext cx="7242331" cy="3881437"/>
+            <a:off x="677334" y="1383345"/>
+            <a:ext cx="8596668" cy="4293364"/>
           </a:xfrm>
+          <a:prstGeom prst="rect">
+            <a:avLst/>
+          </a:prstGeom>
+          <a:ln>
+            <a:noFill/>
+          </a:ln>
+          <a:effectLst>
+            <a:outerShdw blurRad="190500" dist="228600" dir="2700000" algn="ctr">
+              <a:srgbClr val="000000">
+                <a:alpha val="30000"/>
+              </a:srgbClr>
+            </a:outerShdw>
+          </a:effectLst>
+          <a:scene3d>
+            <a:camera prst="orthographicFront">
+              <a:rot lat="0" lon="0" rev="0"/>
+            </a:camera>
+            <a:lightRig rig="glow" dir="t">
+              <a:rot lat="0" lon="0" rev="4800000"/>
+            </a:lightRig>
+          </a:scene3d>
+          <a:sp3d prstMaterial="matte">
+            <a:bevelT w="127000" h="63500"/>
+          </a:sp3d>
         </p:spPr>
       </p:pic>
     </p:spTree>
@@ -6727,40 +7204,98 @@
           <a:lstStyle/>
           <a:p>
             <a:r>
-              <a:rPr lang="hu-HU" dirty="0" smtClean="0"/>
-              <a:t>Új edzésterv felvétele</a:t>
-            </a:r>
-            <a:endParaRPr lang="hu-HU" dirty="0"/>
+              <a:rPr lang="hu-HU" dirty="0">
+                <a:solidFill>
+                  <a:srgbClr val="55BE3B"/>
+                </a:solidFill>
+              </a:rPr>
+              <a:t>Edzésterv felvitele</a:t>
+            </a:r>
           </a:p>
         </p:txBody>
       </p:sp>
       <p:pic>
         <p:nvPicPr>
-          <p:cNvPr id="8" name="Tartalom helye 7"/>
+          <p:cNvPr id="6" name="Kép 5">
+            <a:extLst>
+              <a:ext uri="{FF2B5EF4-FFF2-40B4-BE49-F238E27FC236}">
+                <a16:creationId xmlns:a16="http://schemas.microsoft.com/office/drawing/2014/main" id="{EF9B27E2-7D9B-991B-5351-3AC7371AE542}"/>
+              </a:ext>
+            </a:extLst>
+          </p:cNvPr>
           <p:cNvPicPr>
-            <a:picLocks noGrp="1" noChangeAspect="1"/>
+            <a:picLocks noChangeAspect="1"/>
           </p:cNvPicPr>
-          <p:nvPr>
-            <p:ph idx="1"/>
-          </p:nvPr>
+          <p:nvPr/>
         </p:nvPicPr>
         <p:blipFill>
-          <a:blip r:embed="rId2">
-            <a:extLst>
-              <a:ext uri="{28A0092B-C50C-407E-A947-70E740481C1C}">
-                <a14:useLocalDpi xmlns:a14="http://schemas.microsoft.com/office/drawing/2010/main" val="0"/>
-              </a:ext>
-            </a:extLst>
-          </a:blip>
+          <a:blip r:embed="rId2"/>
           <a:stretch>
             <a:fillRect/>
           </a:stretch>
         </p:blipFill>
         <p:spPr>
           <a:xfrm>
-            <a:off x="2427316" y="904240"/>
-            <a:ext cx="4696690" cy="5836616"/>
+            <a:off x="455666" y="1287570"/>
+            <a:ext cx="6522651" cy="4379305"/>
           </a:xfrm>
+          <a:prstGeom prst="rect">
+            <a:avLst/>
+          </a:prstGeom>
+          <a:ln>
+            <a:noFill/>
+          </a:ln>
+          <a:effectLst>
+            <a:outerShdw blurRad="190500" dist="228600" dir="2700000" algn="ctr">
+              <a:srgbClr val="000000">
+                <a:alpha val="30000"/>
+              </a:srgbClr>
+            </a:outerShdw>
+          </a:effectLst>
+          <a:scene3d>
+            <a:camera prst="orthographicFront">
+              <a:rot lat="0" lon="0" rev="0"/>
+            </a:camera>
+            <a:lightRig rig="glow" dir="t">
+              <a:rot lat="0" lon="0" rev="4800000"/>
+            </a:lightRig>
+          </a:scene3d>
+          <a:sp3d prstMaterial="matte">
+            <a:bevelT w="127000" h="63500"/>
+          </a:sp3d>
+        </p:spPr>
+      </p:pic>
+      <p:pic>
+        <p:nvPicPr>
+          <p:cNvPr id="11" name="Kép 10">
+            <a:extLst>
+              <a:ext uri="{FF2B5EF4-FFF2-40B4-BE49-F238E27FC236}">
+                <a16:creationId xmlns:a16="http://schemas.microsoft.com/office/drawing/2014/main" id="{C929F5D1-26DC-20CD-507D-BAA9D147B010}"/>
+              </a:ext>
+            </a:extLst>
+          </p:cNvPr>
+          <p:cNvPicPr>
+            <a:picLocks noChangeAspect="1"/>
+          </p:cNvPicPr>
+          <p:nvPr/>
+        </p:nvPicPr>
+        <p:blipFill>
+          <a:blip r:embed="rId3"/>
+          <a:stretch>
+            <a:fillRect/>
+          </a:stretch>
+        </p:blipFill>
+        <p:spPr>
+          <a:xfrm>
+            <a:off x="7098632" y="1197111"/>
+            <a:ext cx="4727877" cy="4560221"/>
+          </a:xfrm>
+          <a:prstGeom prst="rect">
+            <a:avLst/>
+          </a:prstGeom>
+          <a:effectLst>
+            <a:softEdge rad="127000"/>
+          </a:effectLst>
         </p:spPr>
       </p:pic>
     </p:spTree>
@@ -6777,9 +7312,9 @@
 </file>
 
 <file path=ppt/theme/theme1.xml><?xml version="1.0" encoding="utf-8"?>
-<a:theme xmlns:a="http://schemas.openxmlformats.org/drawingml/2006/main" name="Fazetta">
+<a:theme xmlns:a="http://schemas.openxmlformats.org/drawingml/2006/main" name="Dimenzió">
   <a:themeElements>
-    <a:clrScheme name="Facet">
+    <a:clrScheme name="4. egyéni séma">
       <a:dk1>
         <a:sysClr val="windowText" lastClr="000000"/>
       </a:dk1>
@@ -6787,16 +7322,16 @@
         <a:sysClr val="window" lastClr="FFFFFF"/>
       </a:lt1>
       <a:dk2>
-        <a:srgbClr val="2C3C43"/>
+        <a:srgbClr val="080B0C"/>
       </a:dk2>
       <a:lt2>
         <a:srgbClr val="EBEBEB"/>
       </a:lt2>
       <a:accent1>
-        <a:srgbClr val="90C226"/>
+        <a:srgbClr val="080B0C"/>
       </a:accent1>
       <a:accent2>
-        <a:srgbClr val="54A021"/>
+        <a:srgbClr val="080B0C"/>
       </a:accent2>
       <a:accent3>
         <a:srgbClr val="E6B91E"/>
@@ -6811,13 +7346,13 @@
         <a:srgbClr val="918655"/>
       </a:accent6>
       <a:hlink>
-        <a:srgbClr val="99CA3C"/>
+        <a:srgbClr val="55BE3B"/>
       </a:hlink>
       <a:folHlink>
-        <a:srgbClr val="B9D181"/>
+        <a:srgbClr val="97D987"/>
       </a:folHlink>
     </a:clrScheme>
-    <a:fontScheme name="Facet">
+    <a:fontScheme name="Dimenzió">
       <a:majorFont>
         <a:latin typeface="Trebuchet MS" panose="020B0603020202020204"/>
         <a:ea typeface=""/>
@@ -6889,7 +7424,7 @@
         <a:font script="Geor" typeface="Sylfaen"/>
       </a:minorFont>
     </a:fontScheme>
-    <a:fmtScheme name="Facet">
+    <a:fmtScheme name="Dimenzió">
       <a:fillStyleLst>
         <a:solidFill>
           <a:schemeClr val="phClr"/>

--- a/ShineGym&Fit edzésterv és étrendösszeállító webalkalmazás Szabó Richárd - Híves Sebastian.pptx
+++ b/ShineGym&Fit edzésterv és étrendösszeállító webalkalmazás Szabó Richárd - Híves Sebastian.pptx
@@ -846,7 +846,7 @@
             <a:fld id="{B61BEF0D-F0BB-DE4B-95CE-6DB70DBA9567}" type="datetimeFigureOut">
               <a:rPr lang="en-US" smtClean="0"/>
               <a:pPr/>
-              <a:t>4/14/2023</a:t>
+              <a:t>4/17/2023</a:t>
             </a:fld>
             <a:endParaRPr lang="en-US" dirty="0"/>
           </a:p>
@@ -1099,7 +1099,7 @@
             <a:fld id="{B61BEF0D-F0BB-DE4B-95CE-6DB70DBA9567}" type="datetimeFigureOut">
               <a:rPr lang="en-US" smtClean="0"/>
               <a:pPr/>
-              <a:t>4/14/2023</a:t>
+              <a:t>4/17/2023</a:t>
             </a:fld>
             <a:endParaRPr lang="en-US" dirty="0"/>
           </a:p>
@@ -1415,7 +1415,7 @@
             <a:fld id="{B61BEF0D-F0BB-DE4B-95CE-6DB70DBA9567}" type="datetimeFigureOut">
               <a:rPr lang="en-US" smtClean="0"/>
               <a:pPr/>
-              <a:t>4/14/2023</a:t>
+              <a:t>4/17/2023</a:t>
             </a:fld>
             <a:endParaRPr lang="en-US" dirty="0"/>
           </a:p>
@@ -1758,7 +1758,7 @@
             <a:fld id="{B61BEF0D-F0BB-DE4B-95CE-6DB70DBA9567}" type="datetimeFigureOut">
               <a:rPr lang="en-US" smtClean="0"/>
               <a:pPr/>
-              <a:t>4/14/2023</a:t>
+              <a:t>4/17/2023</a:t>
             </a:fld>
             <a:endParaRPr lang="en-US" dirty="0"/>
           </a:p>
@@ -2074,7 +2074,7 @@
             <a:fld id="{B61BEF0D-F0BB-DE4B-95CE-6DB70DBA9567}" type="datetimeFigureOut">
               <a:rPr lang="en-US" smtClean="0"/>
               <a:pPr/>
-              <a:t>4/14/2023</a:t>
+              <a:t>4/17/2023</a:t>
             </a:fld>
             <a:endParaRPr lang="en-US" dirty="0"/>
           </a:p>
@@ -2469,7 +2469,7 @@
             <a:fld id="{B61BEF0D-F0BB-DE4B-95CE-6DB70DBA9567}" type="datetimeFigureOut">
               <a:rPr lang="en-US" smtClean="0"/>
               <a:pPr/>
-              <a:t>4/14/2023</a:t>
+              <a:t>4/17/2023</a:t>
             </a:fld>
             <a:endParaRPr lang="en-US" dirty="0"/>
           </a:p>
@@ -2640,7 +2640,7 @@
           <a:p>
             <a:fld id="{55C6B4A9-1611-4792-9094-5F34BCA07E0B}" type="datetimeFigureOut">
               <a:rPr lang="en-US" smtClean="0"/>
-              <a:t>4/14/2023</a:t>
+              <a:t>4/17/2023</a:t>
             </a:fld>
             <a:endParaRPr lang="en-US" dirty="0"/>
           </a:p>
@@ -2821,7 +2821,7 @@
             <a:fld id="{B61BEF0D-F0BB-DE4B-95CE-6DB70DBA9567}" type="datetimeFigureOut">
               <a:rPr lang="en-US" smtClean="0"/>
               <a:pPr/>
-              <a:t>4/14/2023</a:t>
+              <a:t>4/17/2023</a:t>
             </a:fld>
             <a:endParaRPr lang="en-US" dirty="0"/>
           </a:p>
@@ -2999,7 +2999,7 @@
             <a:fld id="{B61BEF0D-F0BB-DE4B-95CE-6DB70DBA9567}" type="datetimeFigureOut">
               <a:rPr lang="en-US" smtClean="0"/>
               <a:pPr/>
-              <a:t>4/14/2023</a:t>
+              <a:t>4/17/2023</a:t>
             </a:fld>
             <a:endParaRPr lang="en-US" dirty="0"/>
           </a:p>
@@ -3248,7 +3248,7 @@
             <a:fld id="{B61BEF0D-F0BB-DE4B-95CE-6DB70DBA9567}" type="datetimeFigureOut">
               <a:rPr lang="en-US" smtClean="0"/>
               <a:pPr/>
-              <a:t>4/14/2023</a:t>
+              <a:t>4/17/2023</a:t>
             </a:fld>
             <a:endParaRPr lang="en-US" dirty="0"/>
           </a:p>
@@ -3481,7 +3481,7 @@
           <a:p>
             <a:fld id="{EB712588-04B1-427B-82EE-E8DB90309F08}" type="datetimeFigureOut">
               <a:rPr lang="en-US" smtClean="0"/>
-              <a:t>4/14/2023</a:t>
+              <a:t>4/17/2023</a:t>
             </a:fld>
             <a:endParaRPr lang="en-US" dirty="0"/>
           </a:p>
@@ -3856,7 +3856,7 @@
             <a:fld id="{B61BEF0D-F0BB-DE4B-95CE-6DB70DBA9567}" type="datetimeFigureOut">
               <a:rPr lang="en-US" smtClean="0"/>
               <a:pPr/>
-              <a:t>4/14/2023</a:t>
+              <a:t>4/17/2023</a:t>
             </a:fld>
             <a:endParaRPr lang="en-US" dirty="0"/>
           </a:p>
@@ -3981,7 +3981,7 @@
             <a:fld id="{B61BEF0D-F0BB-DE4B-95CE-6DB70DBA9567}" type="datetimeFigureOut">
               <a:rPr lang="en-US" smtClean="0"/>
               <a:pPr/>
-              <a:t>4/14/2023</a:t>
+              <a:t>4/17/2023</a:t>
             </a:fld>
             <a:endParaRPr lang="en-US" dirty="0"/>
           </a:p>
@@ -4078,7 +4078,7 @@
             <a:fld id="{B61BEF0D-F0BB-DE4B-95CE-6DB70DBA9567}" type="datetimeFigureOut">
               <a:rPr lang="en-US" smtClean="0"/>
               <a:pPr/>
-              <a:t>4/14/2023</a:t>
+              <a:t>4/17/2023</a:t>
             </a:fld>
             <a:endParaRPr lang="en-US" dirty="0"/>
           </a:p>
@@ -4334,7 +4334,7 @@
           <a:p>
             <a:fld id="{42A54C80-263E-416B-A8E0-580EDEADCBDC}" type="datetimeFigureOut">
               <a:rPr lang="en-US" smtClean="0"/>
-              <a:t>4/14/2023</a:t>
+              <a:t>4/17/2023</a:t>
             </a:fld>
             <a:endParaRPr lang="en-US" dirty="0"/>
           </a:p>
@@ -4598,7 +4598,7 @@
             <a:fld id="{B61BEF0D-F0BB-DE4B-95CE-6DB70DBA9567}" type="datetimeFigureOut">
               <a:rPr lang="en-US" smtClean="0"/>
               <a:pPr/>
-              <a:t>4/14/2023</a:t>
+              <a:t>4/17/2023</a:t>
             </a:fld>
             <a:endParaRPr lang="en-US" dirty="0"/>
           </a:p>
@@ -5343,7 +5343,7 @@
             <a:fld id="{B61BEF0D-F0BB-DE4B-95CE-6DB70DBA9567}" type="datetimeFigureOut">
               <a:rPr lang="en-US" smtClean="0"/>
               <a:pPr/>
-              <a:t>4/14/2023</a:t>
+              <a:t>4/17/2023</a:t>
             </a:fld>
             <a:endParaRPr lang="en-US" dirty="0"/>
           </a:p>
@@ -6089,31 +6089,26 @@
       </p:sp>
       <p:pic>
         <p:nvPicPr>
-          <p:cNvPr id="4" name="Tartalom helye 3"/>
+          <p:cNvPr id="5" name="Kép 4"/>
           <p:cNvPicPr>
-            <a:picLocks noGrp="1" noChangeAspect="1"/>
+            <a:picLocks noChangeAspect="1"/>
           </p:cNvPicPr>
-          <p:nvPr>
-            <p:ph idx="1"/>
-          </p:nvPr>
+          <p:nvPr/>
         </p:nvPicPr>
         <p:blipFill>
-          <a:blip r:embed="rId2">
-            <a:extLst>
-              <a:ext uri="{28A0092B-C50C-407E-A947-70E740481C1C}">
-                <a14:useLocalDpi xmlns:a14="http://schemas.microsoft.com/office/drawing/2010/main" val="0"/>
-              </a:ext>
-            </a:extLst>
-          </a:blip>
+          <a:blip r:embed="rId2"/>
           <a:stretch>
             <a:fillRect/>
           </a:stretch>
         </p:blipFill>
         <p:spPr>
           <a:xfrm>
-            <a:off x="677334" y="1398067"/>
-            <a:ext cx="8322287" cy="4850333"/>
+            <a:off x="677334" y="1270001"/>
+            <a:ext cx="9663699" cy="4864616"/>
           </a:xfrm>
+          <a:prstGeom prst="rect">
+            <a:avLst/>
+          </a:prstGeom>
           <a:ln>
             <a:noFill/>
           </a:ln>
@@ -6464,53 +6459,32 @@
       </p:sp>
       <p:pic>
         <p:nvPicPr>
-          <p:cNvPr id="5" name="Kép 4">
-            <a:extLst>
-              <a:ext uri="{FF2B5EF4-FFF2-40B4-BE49-F238E27FC236}">
-                <a16:creationId xmlns:a16="http://schemas.microsoft.com/office/drawing/2014/main" id="{7256658E-109C-B003-A852-61549DE26624}"/>
-              </a:ext>
-            </a:extLst>
-          </p:cNvPr>
+          <p:cNvPr id="3" name="Kép 2"/>
           <p:cNvPicPr>
             <a:picLocks noChangeAspect="1"/>
           </p:cNvPicPr>
           <p:nvPr/>
         </p:nvPicPr>
-        <p:blipFill>
+        <p:blipFill rotWithShape="1">
           <a:blip r:embed="rId2"/>
-          <a:stretch>
-            <a:fillRect/>
-          </a:stretch>
+          <a:srcRect r="327"/>
+          <a:stretch/>
         </p:blipFill>
         <p:spPr>
           <a:xfrm>
-            <a:off x="677334" y="1368100"/>
-            <a:ext cx="9421540" cy="5144218"/>
+            <a:off x="677335" y="1354667"/>
+            <a:ext cx="9422630" cy="5055142"/>
           </a:xfrm>
           <a:prstGeom prst="rect">
             <a:avLst/>
           </a:prstGeom>
-          <a:ln>
-            <a:noFill/>
-          </a:ln>
           <a:effectLst>
-            <a:outerShdw blurRad="149987" dist="250190" dir="8460000" algn="ctr">
-              <a:srgbClr val="000000">
-                <a:alpha val="28000"/>
-              </a:srgbClr>
+            <a:outerShdw blurRad="50800" dist="38100" dir="5400000" algn="t" rotWithShape="0">
+              <a:prstClr val="black">
+                <a:alpha val="40000"/>
+              </a:prstClr>
             </a:outerShdw>
           </a:effectLst>
-          <a:scene3d>
-            <a:camera prst="orthographicFront">
-              <a:rot lat="0" lon="0" rev="0"/>
-            </a:camera>
-            <a:lightRig rig="contrasting" dir="t">
-              <a:rot lat="0" lon="0" rev="1500000"/>
-            </a:lightRig>
-          </a:scene3d>
-          <a:sp3d prstMaterial="metal">
-            <a:bevelT w="88900" h="88900"/>
-          </a:sp3d>
         </p:spPr>
       </p:pic>
     </p:spTree>
@@ -6677,13 +6651,7 @@
       </p:sp>
       <p:pic>
         <p:nvPicPr>
-          <p:cNvPr id="7" name="Kép 6">
-            <a:extLst>
-              <a:ext uri="{FF2B5EF4-FFF2-40B4-BE49-F238E27FC236}">
-                <a16:creationId xmlns:a16="http://schemas.microsoft.com/office/drawing/2014/main" id="{A5345A9A-133E-E292-C7FE-6EC8148D809F}"/>
-              </a:ext>
-            </a:extLst>
-          </p:cNvPr>
+          <p:cNvPr id="3" name="Kép 2"/>
           <p:cNvPicPr>
             <a:picLocks noChangeAspect="1"/>
           </p:cNvPicPr>
@@ -6697,33 +6665,19 @@
         </p:blipFill>
         <p:spPr>
           <a:xfrm>
-            <a:off x="677333" y="1494133"/>
-            <a:ext cx="8932685" cy="4654004"/>
+            <a:off x="677333" y="1379913"/>
+            <a:ext cx="9090121" cy="4561640"/>
           </a:xfrm>
           <a:prstGeom prst="rect">
             <a:avLst/>
           </a:prstGeom>
-          <a:ln>
-            <a:noFill/>
-          </a:ln>
           <a:effectLst>
-            <a:outerShdw blurRad="190500" dist="228600" dir="2700000" algn="ctr">
-              <a:srgbClr val="000000">
-                <a:alpha val="30000"/>
-              </a:srgbClr>
+            <a:outerShdw blurRad="50800" dist="38100" dir="2700000" algn="tl" rotWithShape="0">
+              <a:prstClr val="black">
+                <a:alpha val="40000"/>
+              </a:prstClr>
             </a:outerShdw>
           </a:effectLst>
-          <a:scene3d>
-            <a:camera prst="orthographicFront">
-              <a:rot lat="0" lon="0" rev="0"/>
-            </a:camera>
-            <a:lightRig rig="glow" dir="t">
-              <a:rot lat="0" lon="0" rev="4800000"/>
-            </a:lightRig>
-          </a:scene3d>
-          <a:sp3d prstMaterial="matte">
-            <a:bevelT w="127000" h="63500"/>
-          </a:sp3d>
         </p:spPr>
       </p:pic>
     </p:spTree>
@@ -6790,13 +6744,7 @@
       </p:sp>
       <p:pic>
         <p:nvPicPr>
-          <p:cNvPr id="5" name="Kép 4">
-            <a:extLst>
-              <a:ext uri="{FF2B5EF4-FFF2-40B4-BE49-F238E27FC236}">
-                <a16:creationId xmlns:a16="http://schemas.microsoft.com/office/drawing/2014/main" id="{AAC22452-C37C-B230-DD8C-230D0383A342}"/>
-              </a:ext>
-            </a:extLst>
-          </p:cNvPr>
+          <p:cNvPr id="3" name="Kép 2"/>
           <p:cNvPicPr>
             <a:picLocks noChangeAspect="1"/>
           </p:cNvPicPr>
@@ -6810,8 +6758,8 @@
         </p:blipFill>
         <p:spPr>
           <a:xfrm>
-            <a:off x="677334" y="1409881"/>
-            <a:ext cx="8875461" cy="4365278"/>
+            <a:off x="677334" y="1424377"/>
+            <a:ext cx="9135708" cy="4594038"/>
           </a:xfrm>
           <a:prstGeom prst="rect">
             <a:avLst/>
@@ -6917,7 +6865,7 @@
         </p:blipFill>
         <p:spPr>
           <a:xfrm>
-            <a:off x="3830054" y="3982846"/>
+            <a:off x="3830054" y="4149101"/>
             <a:ext cx="7833965" cy="2619855"/>
           </a:xfrm>
           <a:prstGeom prst="rect">
@@ -6927,8 +6875,10 @@
             <a:noFill/>
           </a:ln>
           <a:effectLst>
-            <a:outerShdw blurRad="107950" dist="12700" dir="5400000" algn="ctr">
-              <a:srgbClr val="000000"/>
+            <a:outerShdw blurRad="50800" dist="38100" dir="5400000" algn="t" rotWithShape="0">
+              <a:prstClr val="black">
+                <a:alpha val="40000"/>
+              </a:prstClr>
             </a:outerShdw>
           </a:effectLst>
           <a:scene3d>
@@ -6940,7 +6890,6 @@
             </a:lightRig>
           </a:scene3d>
           <a:sp3d contourW="44450" prstMaterial="matte">
-            <a:bevelT w="63500" h="63500" prst="artDeco"/>
             <a:contourClr>
               <a:srgbClr val="FFFFFF"/>
             </a:contourClr>
@@ -7009,6 +6958,27 @@
           <a:prstGeom prst="rect">
             <a:avLst/>
           </a:prstGeom>
+          <a:ln>
+            <a:noFill/>
+          </a:ln>
+          <a:effectLst>
+            <a:outerShdw blurRad="190500" dist="228600" dir="2700000" algn="ctr">
+              <a:srgbClr val="000000">
+                <a:alpha val="30000"/>
+              </a:srgbClr>
+            </a:outerShdw>
+          </a:effectLst>
+          <a:scene3d>
+            <a:camera prst="orthographicFront">
+              <a:rot lat="0" lon="0" rev="0"/>
+            </a:camera>
+            <a:lightRig rig="glow" dir="t">
+              <a:rot lat="0" lon="0" rev="4800000"/>
+            </a:lightRig>
+          </a:scene3d>
+          <a:sp3d prstMaterial="matte">
+            <a:bevelT w="127000" h="63500"/>
+          </a:sp3d>
         </p:spPr>
       </p:pic>
       <p:sp>
@@ -7216,13 +7186,7 @@
       </p:sp>
       <p:pic>
         <p:nvPicPr>
-          <p:cNvPr id="6" name="Kép 5">
-            <a:extLst>
-              <a:ext uri="{FF2B5EF4-FFF2-40B4-BE49-F238E27FC236}">
-                <a16:creationId xmlns:a16="http://schemas.microsoft.com/office/drawing/2014/main" id="{EF9B27E2-7D9B-991B-5351-3AC7371AE542}"/>
-              </a:ext>
-            </a:extLst>
-          </p:cNvPr>
+          <p:cNvPr id="4" name="Kép 3"/>
           <p:cNvPicPr>
             <a:picLocks noChangeAspect="1"/>
           </p:cNvPicPr>
@@ -7236,44 +7200,17 @@
         </p:blipFill>
         <p:spPr>
           <a:xfrm>
-            <a:off x="455666" y="1287570"/>
-            <a:ext cx="6522651" cy="4379305"/>
+            <a:off x="575981" y="1064028"/>
+            <a:ext cx="5863685" cy="5301749"/>
           </a:xfrm>
           <a:prstGeom prst="rect">
             <a:avLst/>
           </a:prstGeom>
-          <a:ln>
-            <a:noFill/>
-          </a:ln>
-          <a:effectLst>
-            <a:outerShdw blurRad="190500" dist="228600" dir="2700000" algn="ctr">
-              <a:srgbClr val="000000">
-                <a:alpha val="30000"/>
-              </a:srgbClr>
-            </a:outerShdw>
-          </a:effectLst>
-          <a:scene3d>
-            <a:camera prst="orthographicFront">
-              <a:rot lat="0" lon="0" rev="0"/>
-            </a:camera>
-            <a:lightRig rig="glow" dir="t">
-              <a:rot lat="0" lon="0" rev="4800000"/>
-            </a:lightRig>
-          </a:scene3d>
-          <a:sp3d prstMaterial="matte">
-            <a:bevelT w="127000" h="63500"/>
-          </a:sp3d>
         </p:spPr>
       </p:pic>
       <p:pic>
         <p:nvPicPr>
-          <p:cNvPr id="11" name="Kép 10">
-            <a:extLst>
-              <a:ext uri="{FF2B5EF4-FFF2-40B4-BE49-F238E27FC236}">
-                <a16:creationId xmlns:a16="http://schemas.microsoft.com/office/drawing/2014/main" id="{C929F5D1-26DC-20CD-507D-BAA9D147B010}"/>
-              </a:ext>
-            </a:extLst>
-          </p:cNvPr>
+          <p:cNvPr id="5" name="Kép 4"/>
           <p:cNvPicPr>
             <a:picLocks noChangeAspect="1"/>
           </p:cNvPicPr>
@@ -7287,14 +7224,14 @@
         </p:blipFill>
         <p:spPr>
           <a:xfrm>
-            <a:off x="7098632" y="1197111"/>
-            <a:ext cx="4727877" cy="4560221"/>
+            <a:off x="7007670" y="1064028"/>
+            <a:ext cx="4329957" cy="5301749"/>
           </a:xfrm>
           <a:prstGeom prst="rect">
             <a:avLst/>
           </a:prstGeom>
           <a:effectLst>
-            <a:softEdge rad="127000"/>
+            <a:softEdge rad="165100"/>
           </a:effectLst>
         </p:spPr>
       </p:pic>
